--- a/prezentation.pptx
+++ b/prezentation.pptx
@@ -6,22 +6,14 @@
   </p:sldMasterIdLst>
   <p:sldIdLst>
     <p:sldId id="256" r:id="rId2"/>
-    <p:sldId id="258" r:id="rId3"/>
-    <p:sldId id="266" r:id="rId4"/>
-    <p:sldId id="268" r:id="rId5"/>
-    <p:sldId id="269" r:id="rId6"/>
-    <p:sldId id="267" r:id="rId7"/>
-    <p:sldId id="270" r:id="rId8"/>
-    <p:sldId id="271" r:id="rId9"/>
-    <p:sldId id="272" r:id="rId10"/>
-    <p:sldId id="273" r:id="rId11"/>
-    <p:sldId id="274" r:id="rId12"/>
-    <p:sldId id="275" r:id="rId13"/>
-    <p:sldId id="276" r:id="rId14"/>
-    <p:sldId id="277" r:id="rId15"/>
-    <p:sldId id="278" r:id="rId16"/>
-    <p:sldId id="279" r:id="rId17"/>
-    <p:sldId id="257" r:id="rId18"/>
+    <p:sldId id="266" r:id="rId3"/>
+    <p:sldId id="269" r:id="rId4"/>
+    <p:sldId id="267" r:id="rId5"/>
+    <p:sldId id="270" r:id="rId6"/>
+    <p:sldId id="271" r:id="rId7"/>
+    <p:sldId id="272" r:id="rId8"/>
+    <p:sldId id="279" r:id="rId9"/>
+    <p:sldId id="257" r:id="rId10"/>
   </p:sldIdLst>
   <p:sldSz cx="12192000" cy="6858000"/>
   <p:notesSz cx="6858000" cy="9144000"/>
@@ -275,7 +267,7 @@
           <a:p>
             <a:fld id="{6C800526-881B-4EFB-A2B1-E2EC6E673644}" type="datetimeFigureOut">
               <a:rPr lang="ru-RU" smtClean="0"/>
-              <a:t>06.06.2023</a:t>
+              <a:t>08.06.2023</a:t>
             </a:fld>
             <a:endParaRPr lang="ru-RU"/>
           </a:p>
@@ -552,7 +544,7 @@
           <a:p>
             <a:fld id="{6C800526-881B-4EFB-A2B1-E2EC6E673644}" type="datetimeFigureOut">
               <a:rPr lang="ru-RU" smtClean="0"/>
-              <a:t>06.06.2023</a:t>
+              <a:t>08.06.2023</a:t>
             </a:fld>
             <a:endParaRPr lang="ru-RU"/>
           </a:p>
@@ -976,7 +968,7 @@
           <a:p>
             <a:fld id="{6C800526-881B-4EFB-A2B1-E2EC6E673644}" type="datetimeFigureOut">
               <a:rPr lang="ru-RU" smtClean="0"/>
-              <a:t>06.06.2023</a:t>
+              <a:t>08.06.2023</a:t>
             </a:fld>
             <a:endParaRPr lang="ru-RU"/>
           </a:p>
@@ -1129,7 +1121,7 @@
           <a:p>
             <a:fld id="{6C800526-881B-4EFB-A2B1-E2EC6E673644}" type="datetimeFigureOut">
               <a:rPr lang="ru-RU" smtClean="0"/>
-              <a:t>06.06.2023</a:t>
+              <a:t>08.06.2023</a:t>
             </a:fld>
             <a:endParaRPr lang="ru-RU"/>
           </a:p>
@@ -1254,7 +1246,7 @@
           <a:p>
             <a:fld id="{6C800526-881B-4EFB-A2B1-E2EC6E673644}" type="datetimeFigureOut">
               <a:rPr lang="ru-RU" smtClean="0"/>
-              <a:t>06.06.2023</a:t>
+              <a:t>08.06.2023</a:t>
             </a:fld>
             <a:endParaRPr lang="ru-RU"/>
           </a:p>
@@ -1577,7 +1569,7 @@
           <a:p>
             <a:fld id="{6C800526-881B-4EFB-A2B1-E2EC6E673644}" type="datetimeFigureOut">
               <a:rPr lang="ru-RU" smtClean="0"/>
-              <a:t>06.06.2023</a:t>
+              <a:t>08.06.2023</a:t>
             </a:fld>
             <a:endParaRPr lang="ru-RU"/>
           </a:p>
@@ -1877,7 +1869,7 @@
           <a:p>
             <a:fld id="{6C800526-881B-4EFB-A2B1-E2EC6E673644}" type="datetimeFigureOut">
               <a:rPr lang="ru-RU" smtClean="0"/>
-              <a:t>06.06.2023</a:t>
+              <a:t>08.06.2023</a:t>
             </a:fld>
             <a:endParaRPr lang="ru-RU"/>
           </a:p>
@@ -2087,7 +2079,7 @@
           <a:p>
             <a:fld id="{6C800526-881B-4EFB-A2B1-E2EC6E673644}" type="datetimeFigureOut">
               <a:rPr lang="ru-RU" smtClean="0"/>
-              <a:t>06.06.2023</a:t>
+              <a:t>08.06.2023</a:t>
             </a:fld>
             <a:endParaRPr lang="ru-RU"/>
           </a:p>
@@ -2307,7 +2299,7 @@
           <a:p>
             <a:fld id="{6C800526-881B-4EFB-A2B1-E2EC6E673644}" type="datetimeFigureOut">
               <a:rPr lang="ru-RU" smtClean="0"/>
-              <a:t>06.06.2023</a:t>
+              <a:t>08.06.2023</a:t>
             </a:fld>
             <a:endParaRPr lang="ru-RU"/>
           </a:p>
@@ -2869,7 +2861,7 @@
           <a:p>
             <a:fld id="{6C800526-881B-4EFB-A2B1-E2EC6E673644}" type="datetimeFigureOut">
               <a:rPr lang="ru-RU" smtClean="0"/>
-              <a:t>06.06.2023</a:t>
+              <a:t>08.06.2023</a:t>
             </a:fld>
             <a:endParaRPr lang="ru-RU"/>
           </a:p>
@@ -5289,7 +5281,7 @@
           <a:p>
             <a:fld id="{6C800526-881B-4EFB-A2B1-E2EC6E673644}" type="datetimeFigureOut">
               <a:rPr lang="ru-RU" smtClean="0"/>
-              <a:t>06.06.2023</a:t>
+              <a:t>08.06.2023</a:t>
             </a:fld>
             <a:endParaRPr lang="ru-RU"/>
           </a:p>
@@ -5542,7 +5534,7 @@
           <a:p>
             <a:fld id="{6C800526-881B-4EFB-A2B1-E2EC6E673644}" type="datetimeFigureOut">
               <a:rPr lang="ru-RU" smtClean="0"/>
-              <a:t>06.06.2023</a:t>
+              <a:t>08.06.2023</a:t>
             </a:fld>
             <a:endParaRPr lang="ru-RU"/>
           </a:p>
@@ -6165,7 +6157,7 @@
 </p:sld>
 </file>
 
-<file path=ppt/slides/slide10.xml><?xml version="1.0" encoding="utf-8"?>
+<file path=ppt/slides/slide2.xml><?xml version="1.0" encoding="utf-8"?>
 <p:sld xmlns:a="http://schemas.openxmlformats.org/drawingml/2006/main" xmlns:r="http://schemas.openxmlformats.org/officeDocument/2006/relationships" xmlns:p="http://schemas.openxmlformats.org/presentationml/2006/main">
   <p:cSld>
     <p:spTree>
@@ -6205,7 +6197,7 @@
           <a:p>
             <a:r>
               <a:rPr lang="ru-RU" b="1" dirty="0"/>
-              <a:t>Реализация пользовательских форм</a:t>
+              <a:t>Цель курсового проекта</a:t>
             </a:r>
           </a:p>
         </p:txBody>
@@ -6228,63 +6220,28 @@
         </p:nvSpPr>
         <p:spPr>
           <a:xfrm>
-            <a:off x="561000" y="1690688"/>
-            <a:ext cx="3187800" cy="1423375"/>
+            <a:off x="829286" y="1854000"/>
+            <a:ext cx="10515600" cy="1468512"/>
           </a:xfrm>
         </p:spPr>
         <p:txBody>
           <a:bodyPr>
-            <a:normAutofit/>
+            <a:noAutofit/>
           </a:bodyPr>
           <a:lstStyle/>
           <a:p>
+            <a:pPr algn="just"/>
             <a:r>
               <a:rPr lang="ru-RU" sz="2400" dirty="0"/>
-              <a:t>Окно авторизации</a:t>
-            </a:r>
-          </a:p>
-        </p:txBody>
-      </p:sp>
-      <p:pic>
-        <p:nvPicPr>
-          <p:cNvPr id="6" name="Рисунок 5">
-            <a:extLst>
-              <a:ext uri="{FF2B5EF4-FFF2-40B4-BE49-F238E27FC236}">
-                <a16:creationId xmlns:a16="http://schemas.microsoft.com/office/drawing/2014/main" id="{1B20AA47-7056-2849-7757-EBD715B88141}"/>
-              </a:ext>
-            </a:extLst>
-          </p:cNvPr>
-          <p:cNvPicPr>
-            <a:picLocks noChangeAspect="1"/>
-          </p:cNvPicPr>
-          <p:nvPr/>
-        </p:nvPicPr>
-        <p:blipFill>
-          <a:blip r:embed="rId2">
-            <a:extLst>
-              <a:ext uri="{28A0092B-C50C-407E-A947-70E740481C1C}">
-                <a14:useLocalDpi xmlns:a14="http://schemas.microsoft.com/office/drawing/2010/main" val="0"/>
-              </a:ext>
-            </a:extLst>
-          </a:blip>
-          <a:stretch>
-            <a:fillRect/>
-          </a:stretch>
-        </p:blipFill>
-        <p:spPr>
-          <a:xfrm>
-            <a:off x="4341000" y="1584000"/>
-            <a:ext cx="6527313" cy="4185714"/>
-          </a:xfrm>
-          <a:prstGeom prst="rect">
-            <a:avLst/>
-          </a:prstGeom>
-        </p:spPr>
-      </p:pic>
+              <a:t>Целью курсового проекта является разработка информационной системы для фитнес-клуба, которая поможет вести учет клиентов.</a:t>
+            </a:r>
+          </a:p>
+        </p:txBody>
+      </p:sp>
     </p:spTree>
     <p:extLst>
       <p:ext uri="{BB962C8B-B14F-4D97-AF65-F5344CB8AC3E}">
-        <p14:creationId xmlns:p14="http://schemas.microsoft.com/office/powerpoint/2010/main" val="2188287227"/>
+        <p14:creationId xmlns:p14="http://schemas.microsoft.com/office/powerpoint/2010/main" val="2449204218"/>
       </p:ext>
     </p:extLst>
   </p:cSld>
@@ -6306,7 +6263,7 @@
 </p:sld>
 </file>
 
-<file path=ppt/slides/slide11.xml><?xml version="1.0" encoding="utf-8"?>
+<file path=ppt/slides/slide3.xml><?xml version="1.0" encoding="utf-8"?>
 <p:sld xmlns:a="http://schemas.openxmlformats.org/drawingml/2006/main" xmlns:r="http://schemas.openxmlformats.org/officeDocument/2006/relationships" xmlns:p="http://schemas.openxmlformats.org/presentationml/2006/main">
   <p:cSld>
     <p:spTree>
@@ -6346,80 +6303,198 @@
           <a:p>
             <a:r>
               <a:rPr lang="ru-RU" b="1" dirty="0"/>
-              <a:t>Реализация пользовательских форм</a:t>
-            </a:r>
-          </a:p>
-        </p:txBody>
-      </p:sp>
-      <p:sp>
-        <p:nvSpPr>
-          <p:cNvPr id="5" name="Объект 4">
-            <a:extLst>
-              <a:ext uri="{FF2B5EF4-FFF2-40B4-BE49-F238E27FC236}">
-                <a16:creationId xmlns:a16="http://schemas.microsoft.com/office/drawing/2014/main" id="{522C1EB1-A9B2-4970-885D-4780B2B8EC9B}"/>
-              </a:ext>
-            </a:extLst>
-          </p:cNvPr>
-          <p:cNvSpPr>
-            <a:spLocks noGrp="1"/>
-          </p:cNvSpPr>
-          <p:nvPr>
-            <p:ph idx="1"/>
-          </p:nvPr>
-        </p:nvSpPr>
-        <p:spPr>
+              <a:t>Анализ предметной области</a:t>
+            </a:r>
+          </a:p>
+        </p:txBody>
+      </p:sp>
+      <p:sp>
+        <p:nvSpPr>
+          <p:cNvPr id="8" name="Rectangle 4">
+            <a:extLst>
+              <a:ext uri="{FF2B5EF4-FFF2-40B4-BE49-F238E27FC236}">
+                <a16:creationId xmlns:a16="http://schemas.microsoft.com/office/drawing/2014/main" id="{A0DB9743-06CC-076C-A3F9-81B21FF02C6F}"/>
+              </a:ext>
+            </a:extLst>
+          </p:cNvPr>
+          <p:cNvSpPr>
+            <a:spLocks noChangeArrowheads="1"/>
+          </p:cNvSpPr>
+          <p:nvPr/>
+        </p:nvSpPr>
+        <p:spPr bwMode="auto">
           <a:xfrm>
-            <a:off x="156000" y="1743806"/>
-            <a:ext cx="4222800" cy="2053375"/>
-          </a:xfrm>
-        </p:spPr>
-        <p:txBody>
-          <a:bodyPr>
-            <a:normAutofit/>
-          </a:bodyPr>
-          <a:lstStyle/>
-          <a:p>
-            <a:r>
-              <a:rPr lang="ru-RU" sz="2400" dirty="0"/>
-              <a:t>Главное окно старшего администратора</a:t>
-            </a:r>
-          </a:p>
-        </p:txBody>
-      </p:sp>
-      <p:pic>
-        <p:nvPicPr>
-          <p:cNvPr id="7" name="Рисунок 6">
-            <a:extLst>
-              <a:ext uri="{FF2B5EF4-FFF2-40B4-BE49-F238E27FC236}">
-                <a16:creationId xmlns:a16="http://schemas.microsoft.com/office/drawing/2014/main" id="{6A722B67-6DD2-621F-94E4-28D35AA562E1}"/>
-              </a:ext>
-            </a:extLst>
-          </p:cNvPr>
-          <p:cNvPicPr>
-            <a:picLocks noChangeAspect="1"/>
-          </p:cNvPicPr>
-          <p:nvPr/>
-        </p:nvPicPr>
-        <p:blipFill>
-          <a:blip r:embed="rId2"/>
-          <a:stretch>
-            <a:fillRect/>
-          </a:stretch>
-        </p:blipFill>
-        <p:spPr>
-          <a:xfrm>
-            <a:off x="3621000" y="1743806"/>
-            <a:ext cx="8270941" cy="4140000"/>
+            <a:off x="1978500" y="747193"/>
+            <a:ext cx="16444306" cy="369332"/>
           </a:xfrm>
           <a:prstGeom prst="rect">
             <a:avLst/>
           </a:prstGeom>
+          <a:noFill/>
+          <a:ln>
+            <a:noFill/>
+          </a:ln>
+          <a:effectLst/>
+          <a:extLst>
+            <a:ext uri="{909E8E84-426E-40DD-AFC4-6F175D3DCCD1}">
+              <a14:hiddenFill xmlns:a14="http://schemas.microsoft.com/office/drawing/2010/main">
+                <a:solidFill>
+                  <a:schemeClr val="accent1"/>
+                </a:solidFill>
+              </a14:hiddenFill>
+            </a:ext>
+            <a:ext uri="{91240B29-F687-4F45-9708-019B960494DF}">
+              <a14:hiddenLine xmlns:a14="http://schemas.microsoft.com/office/drawing/2010/main" w="9525">
+                <a:solidFill>
+                  <a:schemeClr val="tx1"/>
+                </a:solidFill>
+                <a:miter lim="800000"/>
+                <a:headEnd/>
+                <a:tailEnd/>
+              </a14:hiddenLine>
+            </a:ext>
+            <a:ext uri="{AF507438-7753-43E0-B8FC-AC1667EBCBE1}">
+              <a14:hiddenEffects xmlns:a14="http://schemas.microsoft.com/office/drawing/2010/main">
+                <a:effectLst>
+                  <a:outerShdw dist="35921" dir="2700000" algn="ctr" rotWithShape="0">
+                    <a:schemeClr val="bg2"/>
+                  </a:outerShdw>
+                </a:effectLst>
+              </a14:hiddenEffects>
+            </a:ext>
+          </a:extLst>
         </p:spPr>
-      </p:pic>
+        <p:txBody>
+          <a:bodyPr vert="horz" wrap="square" lIns="91440" tIns="45720" rIns="91440" bIns="45720" numCol="1" anchor="ctr" anchorCtr="0" compatLnSpc="1">
+            <a:prstTxWarp prst="textNoShape">
+              <a:avLst/>
+            </a:prstTxWarp>
+            <a:spAutoFit/>
+          </a:bodyPr>
+          <a:lstStyle/>
+          <a:p>
+            <a:pPr algn="ctr"/>
+            <a:endParaRPr lang="ru-RU"/>
+          </a:p>
+        </p:txBody>
+      </p:sp>
+      <p:graphicFrame>
+        <p:nvGraphicFramePr>
+          <p:cNvPr id="9" name="Объект 8">
+            <a:extLst>
+              <a:ext uri="{FF2B5EF4-FFF2-40B4-BE49-F238E27FC236}">
+                <a16:creationId xmlns:a16="http://schemas.microsoft.com/office/drawing/2014/main" id="{BBA419B7-D4B3-49A3-0B74-938997442E46}"/>
+              </a:ext>
+            </a:extLst>
+          </p:cNvPr>
+          <p:cNvGraphicFramePr>
+            <a:graphicFrameLocks noChangeAspect="1"/>
+          </p:cNvGraphicFramePr>
+          <p:nvPr>
+            <p:extLst>
+              <p:ext uri="{D42A27DB-BD31-4B8C-83A1-F6EECF244321}">
+                <p14:modId xmlns:p14="http://schemas.microsoft.com/office/powerpoint/2010/main" val="2367568952"/>
+              </p:ext>
+            </p:extLst>
+          </p:nvPr>
+        </p:nvGraphicFramePr>
+        <p:xfrm>
+          <a:off x="2877413" y="864000"/>
+          <a:ext cx="9066037" cy="6210001"/>
+        </p:xfrm>
+        <a:graphic>
+          <a:graphicData uri="http://schemas.openxmlformats.org/presentationml/2006/ole">
+            <mc:AlternateContent xmlns:mc="http://schemas.openxmlformats.org/markup-compatibility/2006">
+              <mc:Choice xmlns:v="urn:schemas-microsoft-com:vml" Requires="v">
+                <p:oleObj name="Visio" r:id="rId2" imgW="9829800" imgH="6705712" progId="Visio.Drawing.15">
+                  <p:embed/>
+                </p:oleObj>
+              </mc:Choice>
+              <mc:Fallback>
+                <p:oleObj name="Visio" r:id="rId2" imgW="9829800" imgH="6705712" progId="Visio.Drawing.15">
+                  <p:embed/>
+                  <p:pic>
+                    <p:nvPicPr>
+                      <p:cNvPr id="0" name="Object 3"/>
+                      <p:cNvPicPr>
+                        <a:picLocks noChangeAspect="1" noChangeArrowheads="1"/>
+                      </p:cNvPicPr>
+                      <p:nvPr/>
+                    </p:nvPicPr>
+                    <p:blipFill>
+                      <a:blip r:embed="rId3">
+                        <a:extLst>
+                          <a:ext uri="{28A0092B-C50C-407E-A947-70E740481C1C}">
+                            <a14:useLocalDpi xmlns:a14="http://schemas.microsoft.com/office/drawing/2010/main" val="0"/>
+                          </a:ext>
+                        </a:extLst>
+                      </a:blip>
+                      <a:srcRect/>
+                      <a:stretch>
+                        <a:fillRect/>
+                      </a:stretch>
+                    </p:blipFill>
+                    <p:spPr bwMode="auto">
+                      <a:xfrm>
+                        <a:off x="2877413" y="864000"/>
+                        <a:ext cx="9066037" cy="6210001"/>
+                      </a:xfrm>
+                      <a:prstGeom prst="rect">
+                        <a:avLst/>
+                      </a:prstGeom>
+                      <a:noFill/>
+                    </p:spPr>
+                  </p:pic>
+                </p:oleObj>
+              </mc:Fallback>
+            </mc:AlternateContent>
+          </a:graphicData>
+        </a:graphic>
+      </p:graphicFrame>
+      <p:sp>
+        <p:nvSpPr>
+          <p:cNvPr id="10" name="Объект 4">
+            <a:extLst>
+              <a:ext uri="{FF2B5EF4-FFF2-40B4-BE49-F238E27FC236}">
+                <a16:creationId xmlns:a16="http://schemas.microsoft.com/office/drawing/2014/main" id="{4CA3C30D-F6F9-861C-948E-B27112A8BC31}"/>
+              </a:ext>
+            </a:extLst>
+          </p:cNvPr>
+          <p:cNvSpPr>
+            <a:spLocks noGrp="1"/>
+          </p:cNvSpPr>
+          <p:nvPr>
+            <p:ph idx="1"/>
+          </p:nvPr>
+        </p:nvSpPr>
+        <p:spPr>
+          <a:xfrm>
+            <a:off x="248550" y="1812811"/>
+            <a:ext cx="3459900" cy="373006"/>
+          </a:xfrm>
+        </p:spPr>
+        <p:txBody>
+          <a:bodyPr>
+            <a:noAutofit/>
+          </a:bodyPr>
+          <a:lstStyle/>
+          <a:p>
+            <a:pPr algn="just"/>
+            <a:r>
+              <a:rPr lang="ru-RU" sz="2400" dirty="0"/>
+              <a:t>Диаграмма </a:t>
+            </a:r>
+            <a:r>
+              <a:rPr lang="en-US" sz="2400" dirty="0"/>
+              <a:t>IDEF-0</a:t>
+            </a:r>
+          </a:p>
+        </p:txBody>
+      </p:sp>
     </p:spTree>
     <p:extLst>
       <p:ext uri="{BB962C8B-B14F-4D97-AF65-F5344CB8AC3E}">
-        <p14:creationId xmlns:p14="http://schemas.microsoft.com/office/powerpoint/2010/main" val="2986608658"/>
+        <p14:creationId xmlns:p14="http://schemas.microsoft.com/office/powerpoint/2010/main" val="2191836748"/>
       </p:ext>
     </p:extLst>
   </p:cSld>
@@ -6441,7 +6516,7 @@
 </p:sld>
 </file>
 
-<file path=ppt/slides/slide12.xml><?xml version="1.0" encoding="utf-8"?>
+<file path=ppt/slides/slide4.xml><?xml version="1.0" encoding="utf-8"?>
 <p:sld xmlns:a="http://schemas.openxmlformats.org/drawingml/2006/main" xmlns:r="http://schemas.openxmlformats.org/officeDocument/2006/relationships" xmlns:p="http://schemas.openxmlformats.org/presentationml/2006/main">
   <p:cSld>
     <p:spTree>
@@ -6474,14 +6549,19 @@
             <p:ph type="title"/>
           </p:nvPr>
         </p:nvSpPr>
-        <p:spPr/>
+        <p:spPr>
+          <a:xfrm>
+            <a:off x="561000" y="324000"/>
+            <a:ext cx="10515600" cy="1325563"/>
+          </a:xfrm>
+        </p:spPr>
         <p:txBody>
           <a:bodyPr/>
           <a:lstStyle/>
           <a:p>
             <a:r>
               <a:rPr lang="ru-RU" b="1" dirty="0"/>
-              <a:t>Реализация пользовательских форм</a:t>
+              <a:t>Анализ предметной области</a:t>
             </a:r>
           </a:p>
         </p:txBody>
@@ -6504,8 +6584,8 @@
         </p:nvSpPr>
         <p:spPr>
           <a:xfrm>
-            <a:off x="203300" y="1690488"/>
-            <a:ext cx="3502800" cy="2098375"/>
+            <a:off x="336000" y="1785484"/>
+            <a:ext cx="3285000" cy="1603375"/>
           </a:xfrm>
         </p:spPr>
         <p:txBody>
@@ -6516,17 +6596,22 @@
           <a:p>
             <a:r>
               <a:rPr lang="ru-RU" sz="2400" dirty="0"/>
-              <a:t>Главное окно администратора</a:t>
-            </a:r>
+              <a:t>Декомпозиция </a:t>
+            </a:r>
+            <a:r>
+              <a:rPr lang="en-US" sz="2400" dirty="0"/>
+              <a:t>IDEF-0</a:t>
+            </a:r>
+            <a:endParaRPr lang="ru-RU" sz="2400" dirty="0"/>
           </a:p>
         </p:txBody>
       </p:sp>
       <p:pic>
         <p:nvPicPr>
-          <p:cNvPr id="3" name="Рисунок 2">
-            <a:extLst>
-              <a:ext uri="{FF2B5EF4-FFF2-40B4-BE49-F238E27FC236}">
-                <a16:creationId xmlns:a16="http://schemas.microsoft.com/office/drawing/2014/main" id="{FD8A4D3B-0A64-B46A-13BF-9063B2D45950}"/>
+          <p:cNvPr id="2" name="Рисунок 1">
+            <a:extLst>
+              <a:ext uri="{FF2B5EF4-FFF2-40B4-BE49-F238E27FC236}">
+                <a16:creationId xmlns:a16="http://schemas.microsoft.com/office/drawing/2014/main" id="{9D886200-09B1-9905-CFB6-A874C8467FA4}"/>
               </a:ext>
             </a:extLst>
           </p:cNvPr>
@@ -6543,8 +6628,8 @@
         </p:blipFill>
         <p:spPr>
           <a:xfrm>
-            <a:off x="3036000" y="1690688"/>
-            <a:ext cx="8734425" cy="4352925"/>
+            <a:off x="3801000" y="1179000"/>
+            <a:ext cx="8235213" cy="5572304"/>
           </a:xfrm>
           <a:prstGeom prst="rect">
             <a:avLst/>
@@ -6554,7 +6639,7 @@
     </p:spTree>
     <p:extLst>
       <p:ext uri="{BB962C8B-B14F-4D97-AF65-F5344CB8AC3E}">
-        <p14:creationId xmlns:p14="http://schemas.microsoft.com/office/powerpoint/2010/main" val="202989415"/>
+        <p14:creationId xmlns:p14="http://schemas.microsoft.com/office/powerpoint/2010/main" val="1892916729"/>
       </p:ext>
     </p:extLst>
   </p:cSld>
@@ -6576,7 +6661,7 @@
 </p:sld>
 </file>
 
-<file path=ppt/slides/slide13.xml><?xml version="1.0" encoding="utf-8"?>
+<file path=ppt/slides/slide5.xml><?xml version="1.0" encoding="utf-8"?>
 <p:sld xmlns:a="http://schemas.openxmlformats.org/drawingml/2006/main" xmlns:r="http://schemas.openxmlformats.org/officeDocument/2006/relationships" xmlns:p="http://schemas.openxmlformats.org/presentationml/2006/main">
   <p:cSld>
     <p:spTree>
@@ -6609,14 +6694,19 @@
             <p:ph type="title"/>
           </p:nvPr>
         </p:nvSpPr>
-        <p:spPr/>
+        <p:spPr>
+          <a:xfrm>
+            <a:off x="558851" y="176534"/>
+            <a:ext cx="10515600" cy="1325563"/>
+          </a:xfrm>
+        </p:spPr>
         <p:txBody>
           <a:bodyPr/>
           <a:lstStyle/>
           <a:p>
             <a:r>
               <a:rPr lang="ru-RU" b="1" dirty="0"/>
-              <a:t>Реализация пользовательских форм</a:t>
+              <a:t>Разработка базы данных</a:t>
             </a:r>
           </a:p>
         </p:txBody>
@@ -6639,8 +6729,8 @@
         </p:nvSpPr>
         <p:spPr>
           <a:xfrm>
-            <a:off x="457065" y="1825625"/>
-            <a:ext cx="2602800" cy="1918375"/>
+            <a:off x="538651" y="1502097"/>
+            <a:ext cx="2422800" cy="433375"/>
           </a:xfrm>
         </p:spPr>
         <p:txBody>
@@ -6650,46 +6740,162 @@
           <a:lstStyle/>
           <a:p>
             <a:r>
+              <a:rPr lang="en-US" sz="2400" dirty="0"/>
+              <a:t>ER-</a:t>
+            </a:r>
+            <a:r>
               <a:rPr lang="ru-RU" sz="2400" dirty="0"/>
-              <a:t>Главное окно директора</a:t>
-            </a:r>
-          </a:p>
-        </p:txBody>
-      </p:sp>
-      <p:pic>
-        <p:nvPicPr>
-          <p:cNvPr id="2" name="Рисунок 1">
-            <a:extLst>
-              <a:ext uri="{FF2B5EF4-FFF2-40B4-BE49-F238E27FC236}">
-                <a16:creationId xmlns:a16="http://schemas.microsoft.com/office/drawing/2014/main" id="{0C730C4B-EEF5-ED88-E781-788BBAC867DC}"/>
-              </a:ext>
-            </a:extLst>
-          </p:cNvPr>
-          <p:cNvPicPr>
-            <a:picLocks noChangeAspect="1"/>
-          </p:cNvPicPr>
+              <a:t>диаграмма</a:t>
+            </a:r>
+          </a:p>
+        </p:txBody>
+      </p:sp>
+      <p:sp>
+        <p:nvSpPr>
+          <p:cNvPr id="2" name="Rectangle 2">
+            <a:extLst>
+              <a:ext uri="{FF2B5EF4-FFF2-40B4-BE49-F238E27FC236}">
+                <a16:creationId xmlns:a16="http://schemas.microsoft.com/office/drawing/2014/main" id="{C21CA8D8-D719-10AA-9129-13EBDF2BDDAA}"/>
+              </a:ext>
+            </a:extLst>
+          </p:cNvPr>
+          <p:cNvSpPr>
+            <a:spLocks noChangeArrowheads="1"/>
+          </p:cNvSpPr>
           <p:nvPr/>
-        </p:nvPicPr>
-        <p:blipFill>
-          <a:blip r:embed="rId2"/>
-          <a:stretch>
-            <a:fillRect/>
-          </a:stretch>
-        </p:blipFill>
-        <p:spPr>
+        </p:nvSpPr>
+        <p:spPr bwMode="auto">
           <a:xfrm>
-            <a:off x="3351000" y="1825625"/>
-            <a:ext cx="8362335" cy="4167312"/>
+            <a:off x="4881000" y="1178999"/>
+            <a:ext cx="13314098" cy="45719"/>
           </a:xfrm>
           <a:prstGeom prst="rect">
             <a:avLst/>
           </a:prstGeom>
+          <a:noFill/>
+          <a:ln>
+            <a:noFill/>
+          </a:ln>
+          <a:effectLst/>
+          <a:extLst>
+            <a:ext uri="{909E8E84-426E-40DD-AFC4-6F175D3DCCD1}">
+              <a14:hiddenFill xmlns:a14="http://schemas.microsoft.com/office/drawing/2010/main">
+                <a:solidFill>
+                  <a:schemeClr val="accent1"/>
+                </a:solidFill>
+              </a14:hiddenFill>
+            </a:ext>
+            <a:ext uri="{91240B29-F687-4F45-9708-019B960494DF}">
+              <a14:hiddenLine xmlns:a14="http://schemas.microsoft.com/office/drawing/2010/main" w="9525">
+                <a:solidFill>
+                  <a:schemeClr val="tx1"/>
+                </a:solidFill>
+                <a:miter lim="800000"/>
+                <a:headEnd/>
+                <a:tailEnd/>
+              </a14:hiddenLine>
+            </a:ext>
+            <a:ext uri="{AF507438-7753-43E0-B8FC-AC1667EBCBE1}">
+              <a14:hiddenEffects xmlns:a14="http://schemas.microsoft.com/office/drawing/2010/main">
+                <a:effectLst>
+                  <a:outerShdw dist="35921" dir="2700000" algn="ctr" rotWithShape="0">
+                    <a:schemeClr val="bg2"/>
+                  </a:outerShdw>
+                </a:effectLst>
+              </a14:hiddenEffects>
+            </a:ext>
+          </a:extLst>
         </p:spPr>
-      </p:pic>
+        <p:txBody>
+          <a:bodyPr vert="horz" wrap="square" lIns="91440" tIns="45720" rIns="91440" bIns="45720" numCol="1" anchor="ctr" anchorCtr="0" compatLnSpc="1">
+            <a:prstTxWarp prst="textNoShape">
+              <a:avLst/>
+            </a:prstTxWarp>
+            <a:spAutoFit/>
+          </a:bodyPr>
+          <a:lstStyle/>
+          <a:p>
+            <a:endParaRPr lang="ru-RU"/>
+          </a:p>
+        </p:txBody>
+      </p:sp>
+      <p:graphicFrame>
+        <p:nvGraphicFramePr>
+          <p:cNvPr id="3" name="Объект 2">
+            <a:extLst>
+              <a:ext uri="{FF2B5EF4-FFF2-40B4-BE49-F238E27FC236}">
+                <a16:creationId xmlns:a16="http://schemas.microsoft.com/office/drawing/2014/main" id="{90FF8A23-ADED-867E-84B4-A8DB15BFD420}"/>
+              </a:ext>
+            </a:extLst>
+          </p:cNvPr>
+          <p:cNvGraphicFramePr>
+            <a:graphicFrameLocks noChangeAspect="1"/>
+          </p:cNvGraphicFramePr>
+          <p:nvPr>
+            <p:extLst>
+              <p:ext uri="{D42A27DB-BD31-4B8C-83A1-F6EECF244321}">
+                <p14:modId xmlns:p14="http://schemas.microsoft.com/office/powerpoint/2010/main" val="140787667"/>
+              </p:ext>
+            </p:extLst>
+          </p:nvPr>
+        </p:nvGraphicFramePr>
+        <p:xfrm>
+          <a:off x="4296000" y="1159699"/>
+          <a:ext cx="6345000" cy="5502467"/>
+        </p:xfrm>
+        <a:graphic>
+          <a:graphicData uri="http://schemas.openxmlformats.org/presentationml/2006/ole">
+            <mc:AlternateContent xmlns:mc="http://schemas.openxmlformats.org/markup-compatibility/2006">
+              <mc:Choice xmlns:v="urn:schemas-microsoft-com:vml" Requires="v">
+                <p:oleObj name="Visio" r:id="rId2" imgW="9420337" imgH="9582374" progId="Visio.Drawing.15">
+                  <p:embed/>
+                </p:oleObj>
+              </mc:Choice>
+              <mc:Fallback>
+                <p:oleObj name="Visio" r:id="rId2" imgW="9420337" imgH="9582374" progId="Visio.Drawing.15">
+                  <p:embed/>
+                  <p:pic>
+                    <p:nvPicPr>
+                      <p:cNvPr id="0" name="Object 1"/>
+                      <p:cNvPicPr>
+                        <a:picLocks noChangeAspect="1" noChangeArrowheads="1"/>
+                      </p:cNvPicPr>
+                      <p:nvPr/>
+                    </p:nvPicPr>
+                    <p:blipFill>
+                      <a:blip r:embed="rId3">
+                        <a:extLst>
+                          <a:ext uri="{28A0092B-C50C-407E-A947-70E740481C1C}">
+                            <a14:useLocalDpi xmlns:a14="http://schemas.microsoft.com/office/drawing/2010/main" val="0"/>
+                          </a:ext>
+                        </a:extLst>
+                      </a:blip>
+                      <a:srcRect/>
+                      <a:stretch>
+                        <a:fillRect/>
+                      </a:stretch>
+                    </p:blipFill>
+                    <p:spPr bwMode="auto">
+                      <a:xfrm>
+                        <a:off x="4296000" y="1159699"/>
+                        <a:ext cx="6345000" cy="5502467"/>
+                      </a:xfrm>
+                      <a:prstGeom prst="rect">
+                        <a:avLst/>
+                      </a:prstGeom>
+                      <a:noFill/>
+                    </p:spPr>
+                  </p:pic>
+                </p:oleObj>
+              </mc:Fallback>
+            </mc:AlternateContent>
+          </a:graphicData>
+        </a:graphic>
+      </p:graphicFrame>
     </p:spTree>
     <p:extLst>
       <p:ext uri="{BB962C8B-B14F-4D97-AF65-F5344CB8AC3E}">
-        <p14:creationId xmlns:p14="http://schemas.microsoft.com/office/powerpoint/2010/main" val="2985236564"/>
+        <p14:creationId xmlns:p14="http://schemas.microsoft.com/office/powerpoint/2010/main" val="2322906468"/>
       </p:ext>
     </p:extLst>
   </p:cSld>
@@ -6711,7 +6917,7 @@
 </p:sld>
 </file>
 
-<file path=ppt/slides/slide14.xml><?xml version="1.0" encoding="utf-8"?>
+<file path=ppt/slides/slide6.xml><?xml version="1.0" encoding="utf-8"?>
 <p:sld xmlns:a="http://schemas.openxmlformats.org/drawingml/2006/main" xmlns:r="http://schemas.openxmlformats.org/officeDocument/2006/relationships" xmlns:p="http://schemas.openxmlformats.org/presentationml/2006/main">
   <p:cSld>
     <p:spTree>
@@ -6744,14 +6950,19 @@
             <p:ph type="title"/>
           </p:nvPr>
         </p:nvSpPr>
-        <p:spPr/>
+        <p:spPr>
+          <a:xfrm>
+            <a:off x="201000" y="18255"/>
+            <a:ext cx="10515600" cy="1325563"/>
+          </a:xfrm>
+        </p:spPr>
         <p:txBody>
           <a:bodyPr/>
           <a:lstStyle/>
           <a:p>
             <a:r>
               <a:rPr lang="ru-RU" b="1" dirty="0"/>
-              <a:t>Реализация пользовательских форм</a:t>
+              <a:t>Разработка базы данных</a:t>
             </a:r>
           </a:p>
         </p:txBody>
@@ -6774,8 +6985,8 @@
         </p:nvSpPr>
         <p:spPr>
           <a:xfrm>
-            <a:off x="336000" y="1494000"/>
-            <a:ext cx="3367800" cy="568375"/>
+            <a:off x="381000" y="1570604"/>
+            <a:ext cx="3592800" cy="4351338"/>
           </a:xfrm>
         </p:spPr>
         <p:txBody>
@@ -6785,8 +6996,8 @@
           <a:lstStyle/>
           <a:p>
             <a:r>
-              <a:rPr lang="ru-RU" dirty="0"/>
-              <a:t>Вкладка «Отчеты»</a:t>
+              <a:rPr lang="ru-RU" sz="2400" dirty="0"/>
+              <a:t>Физическая модель БД</a:t>
             </a:r>
           </a:p>
         </p:txBody>
@@ -6796,7 +7007,7 @@
           <p:cNvPr id="3" name="Рисунок 2">
             <a:extLst>
               <a:ext uri="{FF2B5EF4-FFF2-40B4-BE49-F238E27FC236}">
-                <a16:creationId xmlns:a16="http://schemas.microsoft.com/office/drawing/2014/main" id="{EA613A1B-0B4B-2262-4080-F8CF2467AB42}"/>
+                <a16:creationId xmlns:a16="http://schemas.microsoft.com/office/drawing/2014/main" id="{B6874933-9347-2A24-3664-0DAB452D686B}"/>
               </a:ext>
             </a:extLst>
           </p:cNvPr>
@@ -6813,8 +7024,8 @@
         </p:blipFill>
         <p:spPr>
           <a:xfrm>
-            <a:off x="3703800" y="1494000"/>
-            <a:ext cx="8169544" cy="4089226"/>
+            <a:off x="4431000" y="999671"/>
+            <a:ext cx="7380000" cy="5493204"/>
           </a:xfrm>
           <a:prstGeom prst="rect">
             <a:avLst/>
@@ -6824,7 +7035,7 @@
     </p:spTree>
     <p:extLst>
       <p:ext uri="{BB962C8B-B14F-4D97-AF65-F5344CB8AC3E}">
-        <p14:creationId xmlns:p14="http://schemas.microsoft.com/office/powerpoint/2010/main" val="270054588"/>
+        <p14:creationId xmlns:p14="http://schemas.microsoft.com/office/powerpoint/2010/main" val="1145047027"/>
       </p:ext>
     </p:extLst>
   </p:cSld>
@@ -6846,7 +7057,7 @@
 </p:sld>
 </file>
 
-<file path=ppt/slides/slide15.xml><?xml version="1.0" encoding="utf-8"?>
+<file path=ppt/slides/slide7.xml><?xml version="1.0" encoding="utf-8"?>
 <p:sld xmlns:a="http://schemas.openxmlformats.org/drawingml/2006/main" xmlns:r="http://schemas.openxmlformats.org/officeDocument/2006/relationships" xmlns:p="http://schemas.openxmlformats.org/presentationml/2006/main">
   <p:cSld>
     <p:spTree>
@@ -6879,14 +7090,19 @@
             <p:ph type="title"/>
           </p:nvPr>
         </p:nvSpPr>
-        <p:spPr/>
+        <p:spPr>
+          <a:xfrm>
+            <a:off x="471000" y="159700"/>
+            <a:ext cx="10515600" cy="1325563"/>
+          </a:xfrm>
+        </p:spPr>
         <p:txBody>
           <a:bodyPr/>
           <a:lstStyle/>
           <a:p>
             <a:r>
               <a:rPr lang="ru-RU" b="1" dirty="0"/>
-              <a:t>Реализация пользовательских форм</a:t>
+              <a:t>Структура приложения</a:t>
             </a:r>
           </a:p>
         </p:txBody>
@@ -6909,57 +7125,222 @@
         </p:nvSpPr>
         <p:spPr>
           <a:xfrm>
-            <a:off x="516000" y="1539000"/>
-            <a:ext cx="2782800" cy="613375"/>
+            <a:off x="291000" y="1690688"/>
+            <a:ext cx="4758460" cy="4078312"/>
           </a:xfrm>
         </p:spPr>
         <p:txBody>
           <a:bodyPr>
-            <a:normAutofit/>
+            <a:normAutofit fontScale="92500" lnSpcReduction="20000"/>
           </a:bodyPr>
           <a:lstStyle/>
           <a:p>
             <a:r>
-              <a:rPr lang="ru-RU" dirty="0"/>
-              <a:t>Пример отчета</a:t>
-            </a:r>
-          </a:p>
-        </p:txBody>
-      </p:sp>
-      <p:pic>
-        <p:nvPicPr>
-          <p:cNvPr id="3" name="Рисунок 2">
-            <a:extLst>
-              <a:ext uri="{FF2B5EF4-FFF2-40B4-BE49-F238E27FC236}">
-                <a16:creationId xmlns:a16="http://schemas.microsoft.com/office/drawing/2014/main" id="{AD6E19C7-B3DC-C4CD-C379-95DC044C9203}"/>
-              </a:ext>
-            </a:extLst>
-          </p:cNvPr>
-          <p:cNvPicPr>
-            <a:picLocks noChangeAspect="1"/>
-          </p:cNvPicPr>
+              <a:rPr lang="ru-RU" sz="2400" dirty="0"/>
+              <a:t>Схема разграничения доступа в системе</a:t>
+            </a:r>
+          </a:p>
+          <a:p>
+            <a:pPr>
+              <a:buFont typeface="Calibri" panose="020F0502020204030204" pitchFamily="34" charset="0"/>
+              <a:buChar char="ꟷ"/>
+            </a:pPr>
+            <a:r>
+              <a:rPr lang="ru-RU" sz="2400" dirty="0"/>
+              <a:t>Красным цветом отмечены функции, доступные администратору; </a:t>
+            </a:r>
+          </a:p>
+          <a:p>
+            <a:pPr>
+              <a:buFont typeface="Calibri" panose="020F0502020204030204" pitchFamily="34" charset="0"/>
+              <a:buChar char="ꟷ"/>
+            </a:pPr>
+            <a:r>
+              <a:rPr lang="ru-RU" sz="2400" dirty="0"/>
+              <a:t>Зелёным цветом – старшему администратору; </a:t>
+            </a:r>
+          </a:p>
+          <a:p>
+            <a:pPr>
+              <a:buFont typeface="Calibri" panose="020F0502020204030204" pitchFamily="34" charset="0"/>
+              <a:buChar char="ꟷ"/>
+            </a:pPr>
+            <a:r>
+              <a:rPr lang="ru-RU" sz="2400" dirty="0"/>
+              <a:t>Чёрным цветом – директору; </a:t>
+            </a:r>
+          </a:p>
+          <a:p>
+            <a:pPr>
+              <a:buFont typeface="Calibri" panose="020F0502020204030204" pitchFamily="34" charset="0"/>
+              <a:buChar char="ꟷ"/>
+            </a:pPr>
+            <a:r>
+              <a:rPr lang="ru-RU" sz="2400" dirty="0"/>
+              <a:t>Синим отмечены функции, доступные для всех трёх групп;</a:t>
+            </a:r>
+          </a:p>
+          <a:p>
+            <a:pPr>
+              <a:buFont typeface="Calibri" panose="020F0502020204030204" pitchFamily="34" charset="0"/>
+              <a:buChar char="ꟷ"/>
+            </a:pPr>
+            <a:r>
+              <a:rPr lang="ru-RU" sz="2400" dirty="0"/>
+              <a:t>Жёлтым отмечены функции, доступные для администратора и старшего администратора.</a:t>
+            </a:r>
+          </a:p>
+          <a:p>
+            <a:endParaRPr lang="ru-RU" sz="2400" dirty="0"/>
+          </a:p>
+        </p:txBody>
+      </p:sp>
+      <p:sp>
+        <p:nvSpPr>
+          <p:cNvPr id="2" name="Rectangle 2">
+            <a:extLst>
+              <a:ext uri="{FF2B5EF4-FFF2-40B4-BE49-F238E27FC236}">
+                <a16:creationId xmlns:a16="http://schemas.microsoft.com/office/drawing/2014/main" id="{426BCD5B-4EAB-3DA2-D673-D7EF50C2912D}"/>
+              </a:ext>
+            </a:extLst>
+          </p:cNvPr>
+          <p:cNvSpPr>
+            <a:spLocks noChangeArrowheads="1"/>
+          </p:cNvSpPr>
           <p:nvPr/>
-        </p:nvPicPr>
-        <p:blipFill>
-          <a:blip r:embed="rId2"/>
-          <a:stretch>
-            <a:fillRect/>
-          </a:stretch>
-        </p:blipFill>
-        <p:spPr>
+        </p:nvSpPr>
+        <p:spPr bwMode="auto">
           <a:xfrm>
-            <a:off x="2271000" y="2138475"/>
-            <a:ext cx="9270000" cy="3839728"/>
+            <a:off x="4880999" y="1223999"/>
+            <a:ext cx="13476923" cy="45719"/>
           </a:xfrm>
           <a:prstGeom prst="rect">
             <a:avLst/>
           </a:prstGeom>
+          <a:noFill/>
+          <a:ln>
+            <a:noFill/>
+          </a:ln>
+          <a:effectLst/>
+          <a:extLst>
+            <a:ext uri="{909E8E84-426E-40DD-AFC4-6F175D3DCCD1}">
+              <a14:hiddenFill xmlns:a14="http://schemas.microsoft.com/office/drawing/2010/main">
+                <a:solidFill>
+                  <a:schemeClr val="accent1"/>
+                </a:solidFill>
+              </a14:hiddenFill>
+            </a:ext>
+            <a:ext uri="{91240B29-F687-4F45-9708-019B960494DF}">
+              <a14:hiddenLine xmlns:a14="http://schemas.microsoft.com/office/drawing/2010/main" w="9525">
+                <a:solidFill>
+                  <a:schemeClr val="tx1"/>
+                </a:solidFill>
+                <a:miter lim="800000"/>
+                <a:headEnd/>
+                <a:tailEnd/>
+              </a14:hiddenLine>
+            </a:ext>
+            <a:ext uri="{AF507438-7753-43E0-B8FC-AC1667EBCBE1}">
+              <a14:hiddenEffects xmlns:a14="http://schemas.microsoft.com/office/drawing/2010/main">
+                <a:effectLst>
+                  <a:outerShdw dist="35921" dir="2700000" algn="ctr" rotWithShape="0">
+                    <a:schemeClr val="bg2"/>
+                  </a:outerShdw>
+                </a:effectLst>
+              </a14:hiddenEffects>
+            </a:ext>
+          </a:extLst>
         </p:spPr>
-      </p:pic>
+        <p:txBody>
+          <a:bodyPr vert="horz" wrap="square" lIns="91440" tIns="45720" rIns="91440" bIns="45720" numCol="1" anchor="ctr" anchorCtr="0" compatLnSpc="1">
+            <a:prstTxWarp prst="textNoShape">
+              <a:avLst/>
+            </a:prstTxWarp>
+            <a:spAutoFit/>
+          </a:bodyPr>
+          <a:lstStyle/>
+          <a:p>
+            <a:endParaRPr lang="ru-RU"/>
+          </a:p>
+        </p:txBody>
+      </p:sp>
+      <p:graphicFrame>
+        <p:nvGraphicFramePr>
+          <p:cNvPr id="3" name="Объект 2">
+            <a:extLst>
+              <a:ext uri="{FF2B5EF4-FFF2-40B4-BE49-F238E27FC236}">
+                <a16:creationId xmlns:a16="http://schemas.microsoft.com/office/drawing/2014/main" id="{E6594C9F-8DA0-F628-469D-F1B73E7512E7}"/>
+              </a:ext>
+            </a:extLst>
+          </p:cNvPr>
+          <p:cNvGraphicFramePr>
+            <a:graphicFrameLocks noChangeAspect="1"/>
+          </p:cNvGraphicFramePr>
+          <p:nvPr>
+            <p:extLst>
+              <p:ext uri="{D42A27DB-BD31-4B8C-83A1-F6EECF244321}">
+                <p14:modId xmlns:p14="http://schemas.microsoft.com/office/powerpoint/2010/main" val="2327373773"/>
+              </p:ext>
+            </p:extLst>
+          </p:nvPr>
+        </p:nvGraphicFramePr>
+        <p:xfrm>
+          <a:off x="5049460" y="1089000"/>
+          <a:ext cx="6570000" cy="5475000"/>
+        </p:xfrm>
+        <a:graphic>
+          <a:graphicData uri="http://schemas.openxmlformats.org/presentationml/2006/ole">
+            <mc:AlternateContent xmlns:mc="http://schemas.openxmlformats.org/markup-compatibility/2006">
+              <mc:Choice xmlns:v="urn:schemas-microsoft-com:vml" Requires="v">
+                <p:oleObj name="Visio" r:id="rId2" imgW="9001027" imgH="7515071" progId="Visio.Drawing.15">
+                  <p:embed/>
+                </p:oleObj>
+              </mc:Choice>
+              <mc:Fallback>
+                <p:oleObj name="Visio" r:id="rId2" imgW="9001027" imgH="7515071" progId="Visio.Drawing.15">
+                  <p:embed/>
+                  <p:pic>
+                    <p:nvPicPr>
+                      <p:cNvPr id="0" name="Object 1"/>
+                      <p:cNvPicPr>
+                        <a:picLocks noChangeAspect="1" noChangeArrowheads="1"/>
+                      </p:cNvPicPr>
+                      <p:nvPr/>
+                    </p:nvPicPr>
+                    <p:blipFill>
+                      <a:blip r:embed="rId3">
+                        <a:extLst>
+                          <a:ext uri="{28A0092B-C50C-407E-A947-70E740481C1C}">
+                            <a14:useLocalDpi xmlns:a14="http://schemas.microsoft.com/office/drawing/2010/main" val="0"/>
+                          </a:ext>
+                        </a:extLst>
+                      </a:blip>
+                      <a:srcRect/>
+                      <a:stretch>
+                        <a:fillRect/>
+                      </a:stretch>
+                    </p:blipFill>
+                    <p:spPr bwMode="auto">
+                      <a:xfrm>
+                        <a:off x="5049460" y="1089000"/>
+                        <a:ext cx="6570000" cy="5475000"/>
+                      </a:xfrm>
+                      <a:prstGeom prst="rect">
+                        <a:avLst/>
+                      </a:prstGeom>
+                      <a:noFill/>
+                    </p:spPr>
+                  </p:pic>
+                </p:oleObj>
+              </mc:Fallback>
+            </mc:AlternateContent>
+          </a:graphicData>
+        </a:graphic>
+      </p:graphicFrame>
     </p:spTree>
     <p:extLst>
       <p:ext uri="{BB962C8B-B14F-4D97-AF65-F5344CB8AC3E}">
-        <p14:creationId xmlns:p14="http://schemas.microsoft.com/office/powerpoint/2010/main" val="2004178970"/>
+        <p14:creationId xmlns:p14="http://schemas.microsoft.com/office/powerpoint/2010/main" val="197173406"/>
       </p:ext>
     </p:extLst>
   </p:cSld>
@@ -6981,7 +7362,7 @@
 </p:sld>
 </file>
 
-<file path=ppt/slides/slide16.xml><?xml version="1.0" encoding="utf-8"?>
+<file path=ppt/slides/slide8.xml><?xml version="1.0" encoding="utf-8"?>
 <p:sld xmlns:a="http://schemas.openxmlformats.org/drawingml/2006/main" xmlns:r="http://schemas.openxmlformats.org/officeDocument/2006/relationships" xmlns:p="http://schemas.openxmlformats.org/presentationml/2006/main">
   <p:cSld>
     <p:spTree>
@@ -7087,7 +7468,7 @@
 </p:sld>
 </file>
 
-<file path=ppt/slides/slide17.xml><?xml version="1.0" encoding="utf-8"?>
+<file path=ppt/slides/slide9.xml><?xml version="1.0" encoding="utf-8"?>
 <p:sld xmlns:a="http://schemas.openxmlformats.org/drawingml/2006/main" xmlns:r="http://schemas.openxmlformats.org/officeDocument/2006/relationships" xmlns:p="http://schemas.openxmlformats.org/presentationml/2006/main">
   <p:cSld>
     <p:spTree>
@@ -7439,1617 +7820,6 @@
     <p:extLst>
       <p:ext uri="{BB962C8B-B14F-4D97-AF65-F5344CB8AC3E}">
         <p14:creationId xmlns:p14="http://schemas.microsoft.com/office/powerpoint/2010/main" val="4275794049"/>
-      </p:ext>
-    </p:extLst>
-  </p:cSld>
-  <p:clrMapOvr>
-    <a:masterClrMapping/>
-  </p:clrMapOvr>
-  <mc:AlternateContent xmlns:mc="http://schemas.openxmlformats.org/markup-compatibility/2006" xmlns:p14="http://schemas.microsoft.com/office/powerpoint/2010/main">
-    <mc:Choice Requires="p14">
-      <p:transition spd="med" p14:dur="700">
-        <p:fade/>
-      </p:transition>
-    </mc:Choice>
-    <mc:Fallback xmlns="">
-      <p:transition spd="med">
-        <p:fade/>
-      </p:transition>
-    </mc:Fallback>
-  </mc:AlternateContent>
-</p:sld>
-</file>
-
-<file path=ppt/slides/slide2.xml><?xml version="1.0" encoding="utf-8"?>
-<p:sld xmlns:a="http://schemas.openxmlformats.org/drawingml/2006/main" xmlns:r="http://schemas.openxmlformats.org/officeDocument/2006/relationships" xmlns:p="http://schemas.openxmlformats.org/presentationml/2006/main">
-  <p:cSld>
-    <p:spTree>
-      <p:nvGrpSpPr>
-        <p:cNvPr id="1" name=""/>
-        <p:cNvGrpSpPr/>
-        <p:nvPr/>
-      </p:nvGrpSpPr>
-      <p:grpSpPr>
-        <a:xfrm>
-          <a:off x="0" y="0"/>
-          <a:ext cx="0" cy="0"/>
-          <a:chOff x="0" y="0"/>
-          <a:chExt cx="0" cy="0"/>
-        </a:xfrm>
-      </p:grpSpPr>
-      <p:sp>
-        <p:nvSpPr>
-          <p:cNvPr id="4" name="Заголовок 3">
-            <a:extLst>
-              <a:ext uri="{FF2B5EF4-FFF2-40B4-BE49-F238E27FC236}">
-                <a16:creationId xmlns:a16="http://schemas.microsoft.com/office/drawing/2014/main" id="{27A0CA7A-4EE2-4BA6-9754-19D208B7BE02}"/>
-              </a:ext>
-            </a:extLst>
-          </p:cNvPr>
-          <p:cNvSpPr>
-            <a:spLocks noGrp="1"/>
-          </p:cNvSpPr>
-          <p:nvPr>
-            <p:ph type="title"/>
-          </p:nvPr>
-        </p:nvSpPr>
-        <p:spPr/>
-        <p:txBody>
-          <a:bodyPr/>
-          <a:lstStyle/>
-          <a:p>
-            <a:r>
-              <a:rPr lang="ru-RU" b="1" dirty="0"/>
-              <a:t>Введение</a:t>
-            </a:r>
-          </a:p>
-        </p:txBody>
-      </p:sp>
-      <p:sp>
-        <p:nvSpPr>
-          <p:cNvPr id="5" name="Объект 4">
-            <a:extLst>
-              <a:ext uri="{FF2B5EF4-FFF2-40B4-BE49-F238E27FC236}">
-                <a16:creationId xmlns:a16="http://schemas.microsoft.com/office/drawing/2014/main" id="{522C1EB1-A9B2-4970-885D-4780B2B8EC9B}"/>
-              </a:ext>
-            </a:extLst>
-          </p:cNvPr>
-          <p:cNvSpPr>
-            <a:spLocks noGrp="1"/>
-          </p:cNvSpPr>
-          <p:nvPr>
-            <p:ph idx="1"/>
-          </p:nvPr>
-        </p:nvSpPr>
-        <p:spPr/>
-        <p:txBody>
-          <a:bodyPr>
-            <a:normAutofit/>
-          </a:bodyPr>
-          <a:lstStyle/>
-          <a:p>
-            <a:pPr algn="just"/>
-            <a:r>
-              <a:rPr lang="ru-RU" sz="2400" dirty="0">
-                <a:ea typeface="Microsoft YaHei" panose="020B0503020204020204" pitchFamily="34" charset="-122"/>
-                <a:cs typeface="Times New Roman" panose="02020603050405020304" pitchFamily="18" charset="0"/>
-              </a:rPr>
-              <a:t>В наше время информационные технологии шагнули далеко вперёд. Для осуществления полноценной, удобной работы какой-либо организации люди зачастую прибегают к использованию информационных систем для автоматизирования основных бизнес-процессов.</a:t>
-            </a:r>
-            <a:endParaRPr lang="ru-RU" sz="2400" dirty="0">
-              <a:ea typeface="Calibri" panose="020F0502020204030204" pitchFamily="34" charset="0"/>
-              <a:cs typeface="Times New Roman" panose="02020603050405020304" pitchFamily="18" charset="0"/>
-            </a:endParaRPr>
-          </a:p>
-          <a:p>
-            <a:pPr algn="just"/>
-            <a:r>
-              <a:rPr lang="ru-RU" sz="2400" dirty="0"/>
-              <a:t>Объектом курсового проекта является фитнес-клуб.</a:t>
-            </a:r>
-          </a:p>
-        </p:txBody>
-      </p:sp>
-    </p:spTree>
-    <p:extLst>
-      <p:ext uri="{BB962C8B-B14F-4D97-AF65-F5344CB8AC3E}">
-        <p14:creationId xmlns:p14="http://schemas.microsoft.com/office/powerpoint/2010/main" val="3402162356"/>
-      </p:ext>
-    </p:extLst>
-  </p:cSld>
-  <p:clrMapOvr>
-    <a:masterClrMapping/>
-  </p:clrMapOvr>
-  <mc:AlternateContent xmlns:mc="http://schemas.openxmlformats.org/markup-compatibility/2006" xmlns:p14="http://schemas.microsoft.com/office/powerpoint/2010/main">
-    <mc:Choice Requires="p14">
-      <p:transition spd="med" p14:dur="700">
-        <p:fade/>
-      </p:transition>
-    </mc:Choice>
-    <mc:Fallback xmlns="">
-      <p:transition spd="med">
-        <p:fade/>
-      </p:transition>
-    </mc:Fallback>
-  </mc:AlternateContent>
-</p:sld>
-</file>
-
-<file path=ppt/slides/slide3.xml><?xml version="1.0" encoding="utf-8"?>
-<p:sld xmlns:a="http://schemas.openxmlformats.org/drawingml/2006/main" xmlns:r="http://schemas.openxmlformats.org/officeDocument/2006/relationships" xmlns:p="http://schemas.openxmlformats.org/presentationml/2006/main">
-  <p:cSld>
-    <p:spTree>
-      <p:nvGrpSpPr>
-        <p:cNvPr id="1" name=""/>
-        <p:cNvGrpSpPr/>
-        <p:nvPr/>
-      </p:nvGrpSpPr>
-      <p:grpSpPr>
-        <a:xfrm>
-          <a:off x="0" y="0"/>
-          <a:ext cx="0" cy="0"/>
-          <a:chOff x="0" y="0"/>
-          <a:chExt cx="0" cy="0"/>
-        </a:xfrm>
-      </p:grpSpPr>
-      <p:sp>
-        <p:nvSpPr>
-          <p:cNvPr id="4" name="Заголовок 3">
-            <a:extLst>
-              <a:ext uri="{FF2B5EF4-FFF2-40B4-BE49-F238E27FC236}">
-                <a16:creationId xmlns:a16="http://schemas.microsoft.com/office/drawing/2014/main" id="{27A0CA7A-4EE2-4BA6-9754-19D208B7BE02}"/>
-              </a:ext>
-            </a:extLst>
-          </p:cNvPr>
-          <p:cNvSpPr>
-            <a:spLocks noGrp="1"/>
-          </p:cNvSpPr>
-          <p:nvPr>
-            <p:ph type="title"/>
-          </p:nvPr>
-        </p:nvSpPr>
-        <p:spPr/>
-        <p:txBody>
-          <a:bodyPr/>
-          <a:lstStyle/>
-          <a:p>
-            <a:r>
-              <a:rPr lang="ru-RU" b="1" dirty="0"/>
-              <a:t>Цель курсового проекта</a:t>
-            </a:r>
-          </a:p>
-        </p:txBody>
-      </p:sp>
-      <p:sp>
-        <p:nvSpPr>
-          <p:cNvPr id="5" name="Объект 4">
-            <a:extLst>
-              <a:ext uri="{FF2B5EF4-FFF2-40B4-BE49-F238E27FC236}">
-                <a16:creationId xmlns:a16="http://schemas.microsoft.com/office/drawing/2014/main" id="{522C1EB1-A9B2-4970-885D-4780B2B8EC9B}"/>
-              </a:ext>
-            </a:extLst>
-          </p:cNvPr>
-          <p:cNvSpPr>
-            <a:spLocks noGrp="1"/>
-          </p:cNvSpPr>
-          <p:nvPr>
-            <p:ph idx="1"/>
-          </p:nvPr>
-        </p:nvSpPr>
-        <p:spPr>
-          <a:xfrm>
-            <a:off x="838200" y="1690488"/>
-            <a:ext cx="10515600" cy="4351338"/>
-          </a:xfrm>
-        </p:spPr>
-        <p:txBody>
-          <a:bodyPr>
-            <a:noAutofit/>
-          </a:bodyPr>
-          <a:lstStyle/>
-          <a:p>
-            <a:pPr algn="just"/>
-            <a:r>
-              <a:rPr lang="ru-RU" sz="2400" dirty="0"/>
-              <a:t>Целью курсового проекта является разработка информационной системы для фитнес-клуба, которая поможет вести учет клиентов.</a:t>
-            </a:r>
-          </a:p>
-          <a:p>
-            <a:pPr algn="just"/>
-            <a:r>
-              <a:rPr lang="ru-RU" sz="2400" dirty="0"/>
-              <a:t>Для достижения поставленной цели были выполнены следующие задачи:</a:t>
-            </a:r>
-          </a:p>
-          <a:p>
-            <a:pPr marL="0" indent="0" algn="just">
-              <a:buNone/>
-            </a:pPr>
-            <a:r>
-              <a:rPr lang="ru-RU" sz="2400" dirty="0"/>
-              <a:t>   1. Проведение анализа предметной области</a:t>
-            </a:r>
-            <a:r>
-              <a:rPr lang="en-US" sz="2400" dirty="0"/>
-              <a:t>;</a:t>
-            </a:r>
-            <a:endParaRPr lang="ru-RU" sz="2400" dirty="0"/>
-          </a:p>
-          <a:p>
-            <a:pPr marL="0" indent="0" algn="just">
-              <a:buNone/>
-            </a:pPr>
-            <a:r>
-              <a:rPr lang="ru-RU" sz="2400" dirty="0"/>
-              <a:t>   2. Разработка технического задания</a:t>
-            </a:r>
-            <a:r>
-              <a:rPr lang="en-US" sz="2400" dirty="0"/>
-              <a:t>;</a:t>
-            </a:r>
-            <a:endParaRPr lang="ru-RU" sz="2400" dirty="0"/>
-          </a:p>
-          <a:p>
-            <a:pPr marL="0" indent="0" algn="just">
-              <a:buNone/>
-            </a:pPr>
-            <a:r>
-              <a:rPr lang="ru-RU" sz="2400" dirty="0"/>
-              <a:t>   3. Проектирование БД системы</a:t>
-            </a:r>
-            <a:r>
-              <a:rPr lang="en-US" sz="2400" dirty="0"/>
-              <a:t>;</a:t>
-            </a:r>
-            <a:endParaRPr lang="ru-RU" sz="2400" dirty="0"/>
-          </a:p>
-          <a:p>
-            <a:pPr marL="0" indent="0" algn="just">
-              <a:buNone/>
-            </a:pPr>
-            <a:r>
-              <a:rPr lang="ru-RU" sz="2400" dirty="0"/>
-              <a:t>   4. Разработка запросов в БД</a:t>
-            </a:r>
-            <a:r>
-              <a:rPr lang="en-US" sz="2400" dirty="0"/>
-              <a:t>;</a:t>
-            </a:r>
-            <a:endParaRPr lang="ru-RU" sz="2400" dirty="0"/>
-          </a:p>
-          <a:p>
-            <a:pPr marL="0" indent="0" algn="just">
-              <a:buNone/>
-            </a:pPr>
-            <a:r>
-              <a:rPr lang="ru-RU" sz="2400" dirty="0"/>
-              <a:t>   5. Реализация БД</a:t>
-            </a:r>
-            <a:r>
-              <a:rPr lang="en-US" sz="2400" dirty="0"/>
-              <a:t>;</a:t>
-            </a:r>
-            <a:endParaRPr lang="ru-RU" sz="2400" dirty="0"/>
-          </a:p>
-          <a:p>
-            <a:pPr marL="0" indent="0" algn="just">
-              <a:buNone/>
-            </a:pPr>
-            <a:r>
-              <a:rPr lang="ru-RU" sz="2400" dirty="0"/>
-              <a:t>   6. Реализация пользовательского интерфейса</a:t>
-            </a:r>
-            <a:r>
-              <a:rPr lang="en-US" sz="2400" dirty="0"/>
-              <a:t>;</a:t>
-            </a:r>
-            <a:r>
-              <a:rPr lang="ru-RU" sz="2400" dirty="0"/>
-              <a:t>	</a:t>
-            </a:r>
-          </a:p>
-          <a:p>
-            <a:pPr marL="0" indent="0" algn="just">
-              <a:buNone/>
-            </a:pPr>
-            <a:r>
-              <a:rPr lang="ru-RU" sz="2400" dirty="0"/>
-              <a:t>   7. Тестирование разработанной информационной системы.</a:t>
-            </a:r>
-          </a:p>
-        </p:txBody>
-      </p:sp>
-    </p:spTree>
-    <p:extLst>
-      <p:ext uri="{BB962C8B-B14F-4D97-AF65-F5344CB8AC3E}">
-        <p14:creationId xmlns:p14="http://schemas.microsoft.com/office/powerpoint/2010/main" val="2449204218"/>
-      </p:ext>
-    </p:extLst>
-  </p:cSld>
-  <p:clrMapOvr>
-    <a:masterClrMapping/>
-  </p:clrMapOvr>
-  <mc:AlternateContent xmlns:mc="http://schemas.openxmlformats.org/markup-compatibility/2006" xmlns:p14="http://schemas.microsoft.com/office/powerpoint/2010/main">
-    <mc:Choice Requires="p14">
-      <p:transition spd="med" p14:dur="700">
-        <p:fade/>
-      </p:transition>
-    </mc:Choice>
-    <mc:Fallback xmlns="">
-      <p:transition spd="med">
-        <p:fade/>
-      </p:transition>
-    </mc:Fallback>
-  </mc:AlternateContent>
-</p:sld>
-</file>
-
-<file path=ppt/slides/slide4.xml><?xml version="1.0" encoding="utf-8"?>
-<p:sld xmlns:a="http://schemas.openxmlformats.org/drawingml/2006/main" xmlns:r="http://schemas.openxmlformats.org/officeDocument/2006/relationships" xmlns:p="http://schemas.openxmlformats.org/presentationml/2006/main">
-  <p:cSld>
-    <p:spTree>
-      <p:nvGrpSpPr>
-        <p:cNvPr id="1" name=""/>
-        <p:cNvGrpSpPr/>
-        <p:nvPr/>
-      </p:nvGrpSpPr>
-      <p:grpSpPr>
-        <a:xfrm>
-          <a:off x="0" y="0"/>
-          <a:ext cx="0" cy="0"/>
-          <a:chOff x="0" y="0"/>
-          <a:chExt cx="0" cy="0"/>
-        </a:xfrm>
-      </p:grpSpPr>
-      <p:sp>
-        <p:nvSpPr>
-          <p:cNvPr id="4" name="Заголовок 3">
-            <a:extLst>
-              <a:ext uri="{FF2B5EF4-FFF2-40B4-BE49-F238E27FC236}">
-                <a16:creationId xmlns:a16="http://schemas.microsoft.com/office/drawing/2014/main" id="{27A0CA7A-4EE2-4BA6-9754-19D208B7BE02}"/>
-              </a:ext>
-            </a:extLst>
-          </p:cNvPr>
-          <p:cNvSpPr>
-            <a:spLocks noGrp="1"/>
-          </p:cNvSpPr>
-          <p:nvPr>
-            <p:ph type="title"/>
-          </p:nvPr>
-        </p:nvSpPr>
-        <p:spPr/>
-        <p:txBody>
-          <a:bodyPr/>
-          <a:lstStyle/>
-          <a:p>
-            <a:r>
-              <a:rPr lang="ru-RU" b="1" dirty="0"/>
-              <a:t>Анализ предметной области</a:t>
-            </a:r>
-          </a:p>
-        </p:txBody>
-      </p:sp>
-      <p:sp>
-        <p:nvSpPr>
-          <p:cNvPr id="5" name="Объект 4">
-            <a:extLst>
-              <a:ext uri="{FF2B5EF4-FFF2-40B4-BE49-F238E27FC236}">
-                <a16:creationId xmlns:a16="http://schemas.microsoft.com/office/drawing/2014/main" id="{522C1EB1-A9B2-4970-885D-4780B2B8EC9B}"/>
-              </a:ext>
-            </a:extLst>
-          </p:cNvPr>
-          <p:cNvSpPr>
-            <a:spLocks noGrp="1"/>
-          </p:cNvSpPr>
-          <p:nvPr>
-            <p:ph idx="1"/>
-          </p:nvPr>
-        </p:nvSpPr>
-        <p:spPr>
-          <a:xfrm>
-            <a:off x="838200" y="1690688"/>
-            <a:ext cx="10515600" cy="4351338"/>
-          </a:xfrm>
-        </p:spPr>
-        <p:txBody>
-          <a:bodyPr>
-            <a:normAutofit/>
-          </a:bodyPr>
-          <a:lstStyle/>
-          <a:p>
-            <a:pPr algn="just"/>
-            <a:r>
-              <a:rPr lang="ru-RU" sz="2400" dirty="0"/>
-              <a:t>Разработка БД состоит из двух этапов:</a:t>
-            </a:r>
-          </a:p>
-          <a:p>
-            <a:pPr algn="just">
-              <a:buFont typeface="Calibri" panose="020F0502020204030204" pitchFamily="34" charset="0"/>
-              <a:buChar char="ꟷ"/>
-            </a:pPr>
-            <a:r>
-              <a:rPr lang="en-US" sz="2400" dirty="0"/>
-              <a:t>  </a:t>
-            </a:r>
-            <a:r>
-              <a:rPr lang="ru-RU" sz="2400" dirty="0"/>
-              <a:t>Проектирование БД</a:t>
-            </a:r>
-            <a:r>
-              <a:rPr lang="en-US" sz="2400" dirty="0"/>
-              <a:t>;</a:t>
-            </a:r>
-            <a:endParaRPr lang="ru-RU" sz="2400" dirty="0"/>
-          </a:p>
-          <a:p>
-            <a:pPr algn="just">
-              <a:buFont typeface="Calibri" panose="020F0502020204030204" pitchFamily="34" charset="0"/>
-              <a:buChar char="ꟷ"/>
-            </a:pPr>
-            <a:r>
-              <a:rPr lang="en-US" sz="2400" dirty="0"/>
-              <a:t>  </a:t>
-            </a:r>
-            <a:r>
-              <a:rPr lang="ru-RU" sz="2400" dirty="0"/>
-              <a:t>Создание БД.</a:t>
-            </a:r>
-          </a:p>
-          <a:p>
-            <a:pPr algn="just"/>
-            <a:r>
-              <a:rPr lang="ru-RU" sz="2400" dirty="0"/>
-              <a:t>Проектирование БД включает:</a:t>
-            </a:r>
-          </a:p>
-          <a:p>
-            <a:pPr algn="just">
-              <a:buFont typeface="Calibri" panose="020F0502020204030204" pitchFamily="34" charset="0"/>
-              <a:buChar char="ꟷ"/>
-            </a:pPr>
-            <a:r>
-              <a:rPr lang="ru-RU" sz="2400" dirty="0"/>
-              <a:t> Системный анализ предметной области;</a:t>
-            </a:r>
-          </a:p>
-          <a:p>
-            <a:pPr algn="just">
-              <a:buFont typeface="Calibri" panose="020F0502020204030204" pitchFamily="34" charset="0"/>
-              <a:buChar char="ꟷ"/>
-            </a:pPr>
-            <a:r>
-              <a:rPr lang="ru-RU" sz="2400" dirty="0"/>
-              <a:t> Анализ данных и построение модели данных.</a:t>
-            </a:r>
-          </a:p>
-          <a:p>
-            <a:pPr algn="just"/>
-            <a:r>
-              <a:rPr lang="ru-RU" sz="2400" dirty="0"/>
-              <a:t>Создание БД:</a:t>
-            </a:r>
-          </a:p>
-          <a:p>
-            <a:pPr algn="just">
-              <a:buFont typeface="Calibri" panose="020F0502020204030204" pitchFamily="34" charset="0"/>
-              <a:buChar char="ꟷ"/>
-            </a:pPr>
-            <a:r>
-              <a:rPr lang="ru-RU" sz="2400" dirty="0"/>
-              <a:t> Создание структуры базы данных;</a:t>
-            </a:r>
-          </a:p>
-          <a:p>
-            <a:pPr algn="just">
-              <a:buFont typeface="Calibri" panose="020F0502020204030204" pitchFamily="34" charset="0"/>
-              <a:buChar char="ꟷ"/>
-            </a:pPr>
-            <a:r>
-              <a:rPr lang="ru-RU" sz="2400" dirty="0"/>
-              <a:t> Заполнение БД данными.</a:t>
-            </a:r>
-          </a:p>
-        </p:txBody>
-      </p:sp>
-    </p:spTree>
-    <p:extLst>
-      <p:ext uri="{BB962C8B-B14F-4D97-AF65-F5344CB8AC3E}">
-        <p14:creationId xmlns:p14="http://schemas.microsoft.com/office/powerpoint/2010/main" val="365231253"/>
-      </p:ext>
-    </p:extLst>
-  </p:cSld>
-  <p:clrMapOvr>
-    <a:masterClrMapping/>
-  </p:clrMapOvr>
-  <mc:AlternateContent xmlns:mc="http://schemas.openxmlformats.org/markup-compatibility/2006" xmlns:p14="http://schemas.microsoft.com/office/powerpoint/2010/main">
-    <mc:Choice Requires="p14">
-      <p:transition spd="med" p14:dur="700">
-        <p:fade/>
-      </p:transition>
-    </mc:Choice>
-    <mc:Fallback xmlns="">
-      <p:transition spd="med">
-        <p:fade/>
-      </p:transition>
-    </mc:Fallback>
-  </mc:AlternateContent>
-</p:sld>
-</file>
-
-<file path=ppt/slides/slide5.xml><?xml version="1.0" encoding="utf-8"?>
-<p:sld xmlns:a="http://schemas.openxmlformats.org/drawingml/2006/main" xmlns:r="http://schemas.openxmlformats.org/officeDocument/2006/relationships" xmlns:p="http://schemas.openxmlformats.org/presentationml/2006/main">
-  <p:cSld>
-    <p:spTree>
-      <p:nvGrpSpPr>
-        <p:cNvPr id="1" name=""/>
-        <p:cNvGrpSpPr/>
-        <p:nvPr/>
-      </p:nvGrpSpPr>
-      <p:grpSpPr>
-        <a:xfrm>
-          <a:off x="0" y="0"/>
-          <a:ext cx="0" cy="0"/>
-          <a:chOff x="0" y="0"/>
-          <a:chExt cx="0" cy="0"/>
-        </a:xfrm>
-      </p:grpSpPr>
-      <p:sp>
-        <p:nvSpPr>
-          <p:cNvPr id="4" name="Заголовок 3">
-            <a:extLst>
-              <a:ext uri="{FF2B5EF4-FFF2-40B4-BE49-F238E27FC236}">
-                <a16:creationId xmlns:a16="http://schemas.microsoft.com/office/drawing/2014/main" id="{27A0CA7A-4EE2-4BA6-9754-19D208B7BE02}"/>
-              </a:ext>
-            </a:extLst>
-          </p:cNvPr>
-          <p:cNvSpPr>
-            <a:spLocks noGrp="1"/>
-          </p:cNvSpPr>
-          <p:nvPr>
-            <p:ph type="title"/>
-          </p:nvPr>
-        </p:nvSpPr>
-        <p:spPr/>
-        <p:txBody>
-          <a:bodyPr/>
-          <a:lstStyle/>
-          <a:p>
-            <a:r>
-              <a:rPr lang="ru-RU" b="1" dirty="0"/>
-              <a:t>Анализ предметной области</a:t>
-            </a:r>
-          </a:p>
-        </p:txBody>
-      </p:sp>
-      <p:sp>
-        <p:nvSpPr>
-          <p:cNvPr id="8" name="Rectangle 4">
-            <a:extLst>
-              <a:ext uri="{FF2B5EF4-FFF2-40B4-BE49-F238E27FC236}">
-                <a16:creationId xmlns:a16="http://schemas.microsoft.com/office/drawing/2014/main" id="{A0DB9743-06CC-076C-A3F9-81B21FF02C6F}"/>
-              </a:ext>
-            </a:extLst>
-          </p:cNvPr>
-          <p:cNvSpPr>
-            <a:spLocks noChangeArrowheads="1"/>
-          </p:cNvSpPr>
-          <p:nvPr/>
-        </p:nvSpPr>
-        <p:spPr bwMode="auto">
-          <a:xfrm>
-            <a:off x="1978500" y="747193"/>
-            <a:ext cx="16444306" cy="369332"/>
-          </a:xfrm>
-          <a:prstGeom prst="rect">
-            <a:avLst/>
-          </a:prstGeom>
-          <a:noFill/>
-          <a:ln>
-            <a:noFill/>
-          </a:ln>
-          <a:effectLst/>
-          <a:extLst>
-            <a:ext uri="{909E8E84-426E-40DD-AFC4-6F175D3DCCD1}">
-              <a14:hiddenFill xmlns:a14="http://schemas.microsoft.com/office/drawing/2010/main">
-                <a:solidFill>
-                  <a:schemeClr val="accent1"/>
-                </a:solidFill>
-              </a14:hiddenFill>
-            </a:ext>
-            <a:ext uri="{91240B29-F687-4F45-9708-019B960494DF}">
-              <a14:hiddenLine xmlns:a14="http://schemas.microsoft.com/office/drawing/2010/main" w="9525">
-                <a:solidFill>
-                  <a:schemeClr val="tx1"/>
-                </a:solidFill>
-                <a:miter lim="800000"/>
-                <a:headEnd/>
-                <a:tailEnd/>
-              </a14:hiddenLine>
-            </a:ext>
-            <a:ext uri="{AF507438-7753-43E0-B8FC-AC1667EBCBE1}">
-              <a14:hiddenEffects xmlns:a14="http://schemas.microsoft.com/office/drawing/2010/main">
-                <a:effectLst>
-                  <a:outerShdw dist="35921" dir="2700000" algn="ctr" rotWithShape="0">
-                    <a:schemeClr val="bg2"/>
-                  </a:outerShdw>
-                </a:effectLst>
-              </a14:hiddenEffects>
-            </a:ext>
-          </a:extLst>
-        </p:spPr>
-        <p:txBody>
-          <a:bodyPr vert="horz" wrap="square" lIns="91440" tIns="45720" rIns="91440" bIns="45720" numCol="1" anchor="ctr" anchorCtr="0" compatLnSpc="1">
-            <a:prstTxWarp prst="textNoShape">
-              <a:avLst/>
-            </a:prstTxWarp>
-            <a:spAutoFit/>
-          </a:bodyPr>
-          <a:lstStyle/>
-          <a:p>
-            <a:pPr algn="ctr"/>
-            <a:endParaRPr lang="ru-RU"/>
-          </a:p>
-        </p:txBody>
-      </p:sp>
-      <p:graphicFrame>
-        <p:nvGraphicFramePr>
-          <p:cNvPr id="9" name="Объект 8">
-            <a:extLst>
-              <a:ext uri="{FF2B5EF4-FFF2-40B4-BE49-F238E27FC236}">
-                <a16:creationId xmlns:a16="http://schemas.microsoft.com/office/drawing/2014/main" id="{BBA419B7-D4B3-49A3-0B74-938997442E46}"/>
-              </a:ext>
-            </a:extLst>
-          </p:cNvPr>
-          <p:cNvGraphicFramePr>
-            <a:graphicFrameLocks noChangeAspect="1"/>
-          </p:cNvGraphicFramePr>
-          <p:nvPr>
-            <p:extLst>
-              <p:ext uri="{D42A27DB-BD31-4B8C-83A1-F6EECF244321}">
-                <p14:modId xmlns:p14="http://schemas.microsoft.com/office/powerpoint/2010/main" val="412119862"/>
-              </p:ext>
-            </p:extLst>
-          </p:nvPr>
-        </p:nvGraphicFramePr>
-        <p:xfrm>
-          <a:off x="3507000" y="931859"/>
-          <a:ext cx="8685000" cy="5949000"/>
-        </p:xfrm>
-        <a:graphic>
-          <a:graphicData uri="http://schemas.openxmlformats.org/presentationml/2006/ole">
-            <mc:AlternateContent xmlns:mc="http://schemas.openxmlformats.org/markup-compatibility/2006">
-              <mc:Choice xmlns:v="urn:schemas-microsoft-com:vml" Requires="v">
-                <p:oleObj name="Visio" r:id="rId2" imgW="9829800" imgH="6705712" progId="Visio.Drawing.15">
-                  <p:embed/>
-                </p:oleObj>
-              </mc:Choice>
-              <mc:Fallback>
-                <p:oleObj name="Visio" r:id="rId2" imgW="9829800" imgH="6705712" progId="Visio.Drawing.15">
-                  <p:embed/>
-                  <p:pic>
-                    <p:nvPicPr>
-                      <p:cNvPr id="0" name="Object 3"/>
-                      <p:cNvPicPr>
-                        <a:picLocks noChangeAspect="1" noChangeArrowheads="1"/>
-                      </p:cNvPicPr>
-                      <p:nvPr/>
-                    </p:nvPicPr>
-                    <p:blipFill>
-                      <a:blip r:embed="rId3">
-                        <a:extLst>
-                          <a:ext uri="{28A0092B-C50C-407E-A947-70E740481C1C}">
-                            <a14:useLocalDpi xmlns:a14="http://schemas.microsoft.com/office/drawing/2010/main" val="0"/>
-                          </a:ext>
-                        </a:extLst>
-                      </a:blip>
-                      <a:srcRect/>
-                      <a:stretch>
-                        <a:fillRect/>
-                      </a:stretch>
-                    </p:blipFill>
-                    <p:spPr bwMode="auto">
-                      <a:xfrm>
-                        <a:off x="3507000" y="931859"/>
-                        <a:ext cx="8685000" cy="5949000"/>
-                      </a:xfrm>
-                      <a:prstGeom prst="rect">
-                        <a:avLst/>
-                      </a:prstGeom>
-                      <a:noFill/>
-                    </p:spPr>
-                  </p:pic>
-                </p:oleObj>
-              </mc:Fallback>
-            </mc:AlternateContent>
-          </a:graphicData>
-        </a:graphic>
-      </p:graphicFrame>
-      <p:sp>
-        <p:nvSpPr>
-          <p:cNvPr id="10" name="Объект 4">
-            <a:extLst>
-              <a:ext uri="{FF2B5EF4-FFF2-40B4-BE49-F238E27FC236}">
-                <a16:creationId xmlns:a16="http://schemas.microsoft.com/office/drawing/2014/main" id="{4CA3C30D-F6F9-861C-948E-B27112A8BC31}"/>
-              </a:ext>
-            </a:extLst>
-          </p:cNvPr>
-          <p:cNvSpPr>
-            <a:spLocks noGrp="1"/>
-          </p:cNvSpPr>
-          <p:nvPr>
-            <p:ph idx="1"/>
-          </p:nvPr>
-        </p:nvSpPr>
-        <p:spPr>
-          <a:xfrm>
-            <a:off x="248550" y="1812811"/>
-            <a:ext cx="3459900" cy="373006"/>
-          </a:xfrm>
-        </p:spPr>
-        <p:txBody>
-          <a:bodyPr>
-            <a:noAutofit/>
-          </a:bodyPr>
-          <a:lstStyle/>
-          <a:p>
-            <a:pPr algn="just"/>
-            <a:r>
-              <a:rPr lang="ru-RU" sz="2400" dirty="0"/>
-              <a:t>Диаграмма </a:t>
-            </a:r>
-            <a:r>
-              <a:rPr lang="en-US" sz="2400" dirty="0"/>
-              <a:t>IDEF-0</a:t>
-            </a:r>
-          </a:p>
-        </p:txBody>
-      </p:sp>
-    </p:spTree>
-    <p:extLst>
-      <p:ext uri="{BB962C8B-B14F-4D97-AF65-F5344CB8AC3E}">
-        <p14:creationId xmlns:p14="http://schemas.microsoft.com/office/powerpoint/2010/main" val="2191836748"/>
-      </p:ext>
-    </p:extLst>
-  </p:cSld>
-  <p:clrMapOvr>
-    <a:masterClrMapping/>
-  </p:clrMapOvr>
-  <mc:AlternateContent xmlns:mc="http://schemas.openxmlformats.org/markup-compatibility/2006" xmlns:p14="http://schemas.microsoft.com/office/powerpoint/2010/main">
-    <mc:Choice Requires="p14">
-      <p:transition spd="med" p14:dur="700">
-        <p:fade/>
-      </p:transition>
-    </mc:Choice>
-    <mc:Fallback xmlns="">
-      <p:transition spd="med">
-        <p:fade/>
-      </p:transition>
-    </mc:Fallback>
-  </mc:AlternateContent>
-</p:sld>
-</file>
-
-<file path=ppt/slides/slide6.xml><?xml version="1.0" encoding="utf-8"?>
-<p:sld xmlns:a="http://schemas.openxmlformats.org/drawingml/2006/main" xmlns:r="http://schemas.openxmlformats.org/officeDocument/2006/relationships" xmlns:p="http://schemas.openxmlformats.org/presentationml/2006/main">
-  <p:cSld>
-    <p:spTree>
-      <p:nvGrpSpPr>
-        <p:cNvPr id="1" name=""/>
-        <p:cNvGrpSpPr/>
-        <p:nvPr/>
-      </p:nvGrpSpPr>
-      <p:grpSpPr>
-        <a:xfrm>
-          <a:off x="0" y="0"/>
-          <a:ext cx="0" cy="0"/>
-          <a:chOff x="0" y="0"/>
-          <a:chExt cx="0" cy="0"/>
-        </a:xfrm>
-      </p:grpSpPr>
-      <p:sp>
-        <p:nvSpPr>
-          <p:cNvPr id="4" name="Заголовок 3">
-            <a:extLst>
-              <a:ext uri="{FF2B5EF4-FFF2-40B4-BE49-F238E27FC236}">
-                <a16:creationId xmlns:a16="http://schemas.microsoft.com/office/drawing/2014/main" id="{27A0CA7A-4EE2-4BA6-9754-19D208B7BE02}"/>
-              </a:ext>
-            </a:extLst>
-          </p:cNvPr>
-          <p:cNvSpPr>
-            <a:spLocks noGrp="1"/>
-          </p:cNvSpPr>
-          <p:nvPr>
-            <p:ph type="title"/>
-          </p:nvPr>
-        </p:nvSpPr>
-        <p:spPr/>
-        <p:txBody>
-          <a:bodyPr/>
-          <a:lstStyle/>
-          <a:p>
-            <a:r>
-              <a:rPr lang="ru-RU" b="1" dirty="0"/>
-              <a:t>Анализ предметной области</a:t>
-            </a:r>
-          </a:p>
-        </p:txBody>
-      </p:sp>
-      <p:sp>
-        <p:nvSpPr>
-          <p:cNvPr id="5" name="Объект 4">
-            <a:extLst>
-              <a:ext uri="{FF2B5EF4-FFF2-40B4-BE49-F238E27FC236}">
-                <a16:creationId xmlns:a16="http://schemas.microsoft.com/office/drawing/2014/main" id="{522C1EB1-A9B2-4970-885D-4780B2B8EC9B}"/>
-              </a:ext>
-            </a:extLst>
-          </p:cNvPr>
-          <p:cNvSpPr>
-            <a:spLocks noGrp="1"/>
-          </p:cNvSpPr>
-          <p:nvPr>
-            <p:ph idx="1"/>
-          </p:nvPr>
-        </p:nvSpPr>
-        <p:spPr>
-          <a:xfrm>
-            <a:off x="336000" y="1785484"/>
-            <a:ext cx="3285000" cy="1603375"/>
-          </a:xfrm>
-        </p:spPr>
-        <p:txBody>
-          <a:bodyPr>
-            <a:normAutofit/>
-          </a:bodyPr>
-          <a:lstStyle/>
-          <a:p>
-            <a:r>
-              <a:rPr lang="ru-RU" sz="2400" dirty="0"/>
-              <a:t>Декомпозиция </a:t>
-            </a:r>
-            <a:r>
-              <a:rPr lang="en-US" sz="2400" dirty="0"/>
-              <a:t>IDEF-0</a:t>
-            </a:r>
-            <a:endParaRPr lang="ru-RU" sz="2400" dirty="0"/>
-          </a:p>
-        </p:txBody>
-      </p:sp>
-      <p:pic>
-        <p:nvPicPr>
-          <p:cNvPr id="2" name="Рисунок 1">
-            <a:extLst>
-              <a:ext uri="{FF2B5EF4-FFF2-40B4-BE49-F238E27FC236}">
-                <a16:creationId xmlns:a16="http://schemas.microsoft.com/office/drawing/2014/main" id="{9D886200-09B1-9905-CFB6-A874C8467FA4}"/>
-              </a:ext>
-            </a:extLst>
-          </p:cNvPr>
-          <p:cNvPicPr>
-            <a:picLocks noChangeAspect="1"/>
-          </p:cNvPicPr>
-          <p:nvPr/>
-        </p:nvPicPr>
-        <p:blipFill>
-          <a:blip r:embed="rId2"/>
-          <a:stretch>
-            <a:fillRect/>
-          </a:stretch>
-        </p:blipFill>
-        <p:spPr>
-          <a:xfrm>
-            <a:off x="3891000" y="1179000"/>
-            <a:ext cx="8145213" cy="5511406"/>
-          </a:xfrm>
-          <a:prstGeom prst="rect">
-            <a:avLst/>
-          </a:prstGeom>
-        </p:spPr>
-      </p:pic>
-    </p:spTree>
-    <p:extLst>
-      <p:ext uri="{BB962C8B-B14F-4D97-AF65-F5344CB8AC3E}">
-        <p14:creationId xmlns:p14="http://schemas.microsoft.com/office/powerpoint/2010/main" val="1892916729"/>
-      </p:ext>
-    </p:extLst>
-  </p:cSld>
-  <p:clrMapOvr>
-    <a:masterClrMapping/>
-  </p:clrMapOvr>
-  <mc:AlternateContent xmlns:mc="http://schemas.openxmlformats.org/markup-compatibility/2006" xmlns:p14="http://schemas.microsoft.com/office/powerpoint/2010/main">
-    <mc:Choice Requires="p14">
-      <p:transition spd="med" p14:dur="700">
-        <p:fade/>
-      </p:transition>
-    </mc:Choice>
-    <mc:Fallback xmlns="">
-      <p:transition spd="med">
-        <p:fade/>
-      </p:transition>
-    </mc:Fallback>
-  </mc:AlternateContent>
-</p:sld>
-</file>
-
-<file path=ppt/slides/slide7.xml><?xml version="1.0" encoding="utf-8"?>
-<p:sld xmlns:a="http://schemas.openxmlformats.org/drawingml/2006/main" xmlns:r="http://schemas.openxmlformats.org/officeDocument/2006/relationships" xmlns:p="http://schemas.openxmlformats.org/presentationml/2006/main">
-  <p:cSld>
-    <p:spTree>
-      <p:nvGrpSpPr>
-        <p:cNvPr id="1" name=""/>
-        <p:cNvGrpSpPr/>
-        <p:nvPr/>
-      </p:nvGrpSpPr>
-      <p:grpSpPr>
-        <a:xfrm>
-          <a:off x="0" y="0"/>
-          <a:ext cx="0" cy="0"/>
-          <a:chOff x="0" y="0"/>
-          <a:chExt cx="0" cy="0"/>
-        </a:xfrm>
-      </p:grpSpPr>
-      <p:sp>
-        <p:nvSpPr>
-          <p:cNvPr id="4" name="Заголовок 3">
-            <a:extLst>
-              <a:ext uri="{FF2B5EF4-FFF2-40B4-BE49-F238E27FC236}">
-                <a16:creationId xmlns:a16="http://schemas.microsoft.com/office/drawing/2014/main" id="{27A0CA7A-4EE2-4BA6-9754-19D208B7BE02}"/>
-              </a:ext>
-            </a:extLst>
-          </p:cNvPr>
-          <p:cNvSpPr>
-            <a:spLocks noGrp="1"/>
-          </p:cNvSpPr>
-          <p:nvPr>
-            <p:ph type="title"/>
-          </p:nvPr>
-        </p:nvSpPr>
-        <p:spPr>
-          <a:xfrm>
-            <a:off x="558851" y="176534"/>
-            <a:ext cx="10515600" cy="1325563"/>
-          </a:xfrm>
-        </p:spPr>
-        <p:txBody>
-          <a:bodyPr/>
-          <a:lstStyle/>
-          <a:p>
-            <a:r>
-              <a:rPr lang="ru-RU" b="1" dirty="0"/>
-              <a:t>Разработка базы данных</a:t>
-            </a:r>
-          </a:p>
-        </p:txBody>
-      </p:sp>
-      <p:sp>
-        <p:nvSpPr>
-          <p:cNvPr id="5" name="Объект 4">
-            <a:extLst>
-              <a:ext uri="{FF2B5EF4-FFF2-40B4-BE49-F238E27FC236}">
-                <a16:creationId xmlns:a16="http://schemas.microsoft.com/office/drawing/2014/main" id="{522C1EB1-A9B2-4970-885D-4780B2B8EC9B}"/>
-              </a:ext>
-            </a:extLst>
-          </p:cNvPr>
-          <p:cNvSpPr>
-            <a:spLocks noGrp="1"/>
-          </p:cNvSpPr>
-          <p:nvPr>
-            <p:ph idx="1"/>
-          </p:nvPr>
-        </p:nvSpPr>
-        <p:spPr>
-          <a:xfrm>
-            <a:off x="538651" y="1502097"/>
-            <a:ext cx="2422800" cy="433375"/>
-          </a:xfrm>
-        </p:spPr>
-        <p:txBody>
-          <a:bodyPr>
-            <a:normAutofit/>
-          </a:bodyPr>
-          <a:lstStyle/>
-          <a:p>
-            <a:r>
-              <a:rPr lang="en-US" sz="2400" dirty="0"/>
-              <a:t>ER-</a:t>
-            </a:r>
-            <a:r>
-              <a:rPr lang="ru-RU" sz="2400" dirty="0"/>
-              <a:t>диаграмма</a:t>
-            </a:r>
-          </a:p>
-        </p:txBody>
-      </p:sp>
-      <p:sp>
-        <p:nvSpPr>
-          <p:cNvPr id="2" name="Rectangle 2">
-            <a:extLst>
-              <a:ext uri="{FF2B5EF4-FFF2-40B4-BE49-F238E27FC236}">
-                <a16:creationId xmlns:a16="http://schemas.microsoft.com/office/drawing/2014/main" id="{C21CA8D8-D719-10AA-9129-13EBDF2BDDAA}"/>
-              </a:ext>
-            </a:extLst>
-          </p:cNvPr>
-          <p:cNvSpPr>
-            <a:spLocks noChangeArrowheads="1"/>
-          </p:cNvSpPr>
-          <p:nvPr/>
-        </p:nvSpPr>
-        <p:spPr bwMode="auto">
-          <a:xfrm>
-            <a:off x="4881000" y="1178999"/>
-            <a:ext cx="13314098" cy="45719"/>
-          </a:xfrm>
-          <a:prstGeom prst="rect">
-            <a:avLst/>
-          </a:prstGeom>
-          <a:noFill/>
-          <a:ln>
-            <a:noFill/>
-          </a:ln>
-          <a:effectLst/>
-          <a:extLst>
-            <a:ext uri="{909E8E84-426E-40DD-AFC4-6F175D3DCCD1}">
-              <a14:hiddenFill xmlns:a14="http://schemas.microsoft.com/office/drawing/2010/main">
-                <a:solidFill>
-                  <a:schemeClr val="accent1"/>
-                </a:solidFill>
-              </a14:hiddenFill>
-            </a:ext>
-            <a:ext uri="{91240B29-F687-4F45-9708-019B960494DF}">
-              <a14:hiddenLine xmlns:a14="http://schemas.microsoft.com/office/drawing/2010/main" w="9525">
-                <a:solidFill>
-                  <a:schemeClr val="tx1"/>
-                </a:solidFill>
-                <a:miter lim="800000"/>
-                <a:headEnd/>
-                <a:tailEnd/>
-              </a14:hiddenLine>
-            </a:ext>
-            <a:ext uri="{AF507438-7753-43E0-B8FC-AC1667EBCBE1}">
-              <a14:hiddenEffects xmlns:a14="http://schemas.microsoft.com/office/drawing/2010/main">
-                <a:effectLst>
-                  <a:outerShdw dist="35921" dir="2700000" algn="ctr" rotWithShape="0">
-                    <a:schemeClr val="bg2"/>
-                  </a:outerShdw>
-                </a:effectLst>
-              </a14:hiddenEffects>
-            </a:ext>
-          </a:extLst>
-        </p:spPr>
-        <p:txBody>
-          <a:bodyPr vert="horz" wrap="square" lIns="91440" tIns="45720" rIns="91440" bIns="45720" numCol="1" anchor="ctr" anchorCtr="0" compatLnSpc="1">
-            <a:prstTxWarp prst="textNoShape">
-              <a:avLst/>
-            </a:prstTxWarp>
-            <a:spAutoFit/>
-          </a:bodyPr>
-          <a:lstStyle/>
-          <a:p>
-            <a:endParaRPr lang="ru-RU"/>
-          </a:p>
-        </p:txBody>
-      </p:sp>
-      <p:graphicFrame>
-        <p:nvGraphicFramePr>
-          <p:cNvPr id="3" name="Объект 2">
-            <a:extLst>
-              <a:ext uri="{FF2B5EF4-FFF2-40B4-BE49-F238E27FC236}">
-                <a16:creationId xmlns:a16="http://schemas.microsoft.com/office/drawing/2014/main" id="{90FF8A23-ADED-867E-84B4-A8DB15BFD420}"/>
-              </a:ext>
-            </a:extLst>
-          </p:cNvPr>
-          <p:cNvGraphicFramePr>
-            <a:graphicFrameLocks noChangeAspect="1"/>
-          </p:cNvGraphicFramePr>
-          <p:nvPr>
-            <p:extLst>
-              <p:ext uri="{D42A27DB-BD31-4B8C-83A1-F6EECF244321}">
-                <p14:modId xmlns:p14="http://schemas.microsoft.com/office/powerpoint/2010/main" val="140787667"/>
-              </p:ext>
-            </p:extLst>
-          </p:nvPr>
-        </p:nvGraphicFramePr>
-        <p:xfrm>
-          <a:off x="4296000" y="1159699"/>
-          <a:ext cx="6345000" cy="5502467"/>
-        </p:xfrm>
-        <a:graphic>
-          <a:graphicData uri="http://schemas.openxmlformats.org/presentationml/2006/ole">
-            <mc:AlternateContent xmlns:mc="http://schemas.openxmlformats.org/markup-compatibility/2006">
-              <mc:Choice xmlns:v="urn:schemas-microsoft-com:vml" Requires="v">
-                <p:oleObj name="Visio" r:id="rId2" imgW="9420337" imgH="9582374" progId="Visio.Drawing.15">
-                  <p:embed/>
-                </p:oleObj>
-              </mc:Choice>
-              <mc:Fallback>
-                <p:oleObj name="Visio" r:id="rId2" imgW="9420337" imgH="9582374" progId="Visio.Drawing.15">
-                  <p:embed/>
-                  <p:pic>
-                    <p:nvPicPr>
-                      <p:cNvPr id="0" name="Object 1"/>
-                      <p:cNvPicPr>
-                        <a:picLocks noChangeAspect="1" noChangeArrowheads="1"/>
-                      </p:cNvPicPr>
-                      <p:nvPr/>
-                    </p:nvPicPr>
-                    <p:blipFill>
-                      <a:blip r:embed="rId3">
-                        <a:extLst>
-                          <a:ext uri="{28A0092B-C50C-407E-A947-70E740481C1C}">
-                            <a14:useLocalDpi xmlns:a14="http://schemas.microsoft.com/office/drawing/2010/main" val="0"/>
-                          </a:ext>
-                        </a:extLst>
-                      </a:blip>
-                      <a:srcRect/>
-                      <a:stretch>
-                        <a:fillRect/>
-                      </a:stretch>
-                    </p:blipFill>
-                    <p:spPr bwMode="auto">
-                      <a:xfrm>
-                        <a:off x="4296000" y="1159699"/>
-                        <a:ext cx="6345000" cy="5502467"/>
-                      </a:xfrm>
-                      <a:prstGeom prst="rect">
-                        <a:avLst/>
-                      </a:prstGeom>
-                      <a:noFill/>
-                    </p:spPr>
-                  </p:pic>
-                </p:oleObj>
-              </mc:Fallback>
-            </mc:AlternateContent>
-          </a:graphicData>
-        </a:graphic>
-      </p:graphicFrame>
-    </p:spTree>
-    <p:extLst>
-      <p:ext uri="{BB962C8B-B14F-4D97-AF65-F5344CB8AC3E}">
-        <p14:creationId xmlns:p14="http://schemas.microsoft.com/office/powerpoint/2010/main" val="2322906468"/>
-      </p:ext>
-    </p:extLst>
-  </p:cSld>
-  <p:clrMapOvr>
-    <a:masterClrMapping/>
-  </p:clrMapOvr>
-  <mc:AlternateContent xmlns:mc="http://schemas.openxmlformats.org/markup-compatibility/2006" xmlns:p14="http://schemas.microsoft.com/office/powerpoint/2010/main">
-    <mc:Choice Requires="p14">
-      <p:transition spd="med" p14:dur="700">
-        <p:fade/>
-      </p:transition>
-    </mc:Choice>
-    <mc:Fallback xmlns="">
-      <p:transition spd="med">
-        <p:fade/>
-      </p:transition>
-    </mc:Fallback>
-  </mc:AlternateContent>
-</p:sld>
-</file>
-
-<file path=ppt/slides/slide8.xml><?xml version="1.0" encoding="utf-8"?>
-<p:sld xmlns:a="http://schemas.openxmlformats.org/drawingml/2006/main" xmlns:r="http://schemas.openxmlformats.org/officeDocument/2006/relationships" xmlns:p="http://schemas.openxmlformats.org/presentationml/2006/main">
-  <p:cSld>
-    <p:spTree>
-      <p:nvGrpSpPr>
-        <p:cNvPr id="1" name=""/>
-        <p:cNvGrpSpPr/>
-        <p:nvPr/>
-      </p:nvGrpSpPr>
-      <p:grpSpPr>
-        <a:xfrm>
-          <a:off x="0" y="0"/>
-          <a:ext cx="0" cy="0"/>
-          <a:chOff x="0" y="0"/>
-          <a:chExt cx="0" cy="0"/>
-        </a:xfrm>
-      </p:grpSpPr>
-      <p:sp>
-        <p:nvSpPr>
-          <p:cNvPr id="4" name="Заголовок 3">
-            <a:extLst>
-              <a:ext uri="{FF2B5EF4-FFF2-40B4-BE49-F238E27FC236}">
-                <a16:creationId xmlns:a16="http://schemas.microsoft.com/office/drawing/2014/main" id="{27A0CA7A-4EE2-4BA6-9754-19D208B7BE02}"/>
-              </a:ext>
-            </a:extLst>
-          </p:cNvPr>
-          <p:cNvSpPr>
-            <a:spLocks noGrp="1"/>
-          </p:cNvSpPr>
-          <p:nvPr>
-            <p:ph type="title"/>
-          </p:nvPr>
-        </p:nvSpPr>
-        <p:spPr>
-          <a:xfrm>
-            <a:off x="201000" y="18255"/>
-            <a:ext cx="10515600" cy="1325563"/>
-          </a:xfrm>
-        </p:spPr>
-        <p:txBody>
-          <a:bodyPr/>
-          <a:lstStyle/>
-          <a:p>
-            <a:r>
-              <a:rPr lang="ru-RU" b="1" dirty="0"/>
-              <a:t>Разработка базы данных</a:t>
-            </a:r>
-          </a:p>
-        </p:txBody>
-      </p:sp>
-      <p:sp>
-        <p:nvSpPr>
-          <p:cNvPr id="5" name="Объект 4">
-            <a:extLst>
-              <a:ext uri="{FF2B5EF4-FFF2-40B4-BE49-F238E27FC236}">
-                <a16:creationId xmlns:a16="http://schemas.microsoft.com/office/drawing/2014/main" id="{522C1EB1-A9B2-4970-885D-4780B2B8EC9B}"/>
-              </a:ext>
-            </a:extLst>
-          </p:cNvPr>
-          <p:cNvSpPr>
-            <a:spLocks noGrp="1"/>
-          </p:cNvSpPr>
-          <p:nvPr>
-            <p:ph idx="1"/>
-          </p:nvPr>
-        </p:nvSpPr>
-        <p:spPr>
-          <a:xfrm>
-            <a:off x="381000" y="1570604"/>
-            <a:ext cx="3592800" cy="4351338"/>
-          </a:xfrm>
-        </p:spPr>
-        <p:txBody>
-          <a:bodyPr>
-            <a:normAutofit/>
-          </a:bodyPr>
-          <a:lstStyle/>
-          <a:p>
-            <a:r>
-              <a:rPr lang="ru-RU" sz="2400" dirty="0"/>
-              <a:t>Физическая модель БД</a:t>
-            </a:r>
-          </a:p>
-        </p:txBody>
-      </p:sp>
-      <p:pic>
-        <p:nvPicPr>
-          <p:cNvPr id="3" name="Рисунок 2">
-            <a:extLst>
-              <a:ext uri="{FF2B5EF4-FFF2-40B4-BE49-F238E27FC236}">
-                <a16:creationId xmlns:a16="http://schemas.microsoft.com/office/drawing/2014/main" id="{B6874933-9347-2A24-3664-0DAB452D686B}"/>
-              </a:ext>
-            </a:extLst>
-          </p:cNvPr>
-          <p:cNvPicPr>
-            <a:picLocks noChangeAspect="1"/>
-          </p:cNvPicPr>
-          <p:nvPr/>
-        </p:nvPicPr>
-        <p:blipFill>
-          <a:blip r:embed="rId2"/>
-          <a:stretch>
-            <a:fillRect/>
-          </a:stretch>
-        </p:blipFill>
-        <p:spPr>
-          <a:xfrm>
-            <a:off x="4431000" y="999671"/>
-            <a:ext cx="7380000" cy="5493204"/>
-          </a:xfrm>
-          <a:prstGeom prst="rect">
-            <a:avLst/>
-          </a:prstGeom>
-        </p:spPr>
-      </p:pic>
-    </p:spTree>
-    <p:extLst>
-      <p:ext uri="{BB962C8B-B14F-4D97-AF65-F5344CB8AC3E}">
-        <p14:creationId xmlns:p14="http://schemas.microsoft.com/office/powerpoint/2010/main" val="1145047027"/>
-      </p:ext>
-    </p:extLst>
-  </p:cSld>
-  <p:clrMapOvr>
-    <a:masterClrMapping/>
-  </p:clrMapOvr>
-  <mc:AlternateContent xmlns:mc="http://schemas.openxmlformats.org/markup-compatibility/2006" xmlns:p14="http://schemas.microsoft.com/office/powerpoint/2010/main">
-    <mc:Choice Requires="p14">
-      <p:transition spd="med" p14:dur="700">
-        <p:fade/>
-      </p:transition>
-    </mc:Choice>
-    <mc:Fallback xmlns="">
-      <p:transition spd="med">
-        <p:fade/>
-      </p:transition>
-    </mc:Fallback>
-  </mc:AlternateContent>
-</p:sld>
-</file>
-
-<file path=ppt/slides/slide9.xml><?xml version="1.0" encoding="utf-8"?>
-<p:sld xmlns:a="http://schemas.openxmlformats.org/drawingml/2006/main" xmlns:r="http://schemas.openxmlformats.org/officeDocument/2006/relationships" xmlns:p="http://schemas.openxmlformats.org/presentationml/2006/main">
-  <p:cSld>
-    <p:spTree>
-      <p:nvGrpSpPr>
-        <p:cNvPr id="1" name=""/>
-        <p:cNvGrpSpPr/>
-        <p:nvPr/>
-      </p:nvGrpSpPr>
-      <p:grpSpPr>
-        <a:xfrm>
-          <a:off x="0" y="0"/>
-          <a:ext cx="0" cy="0"/>
-          <a:chOff x="0" y="0"/>
-          <a:chExt cx="0" cy="0"/>
-        </a:xfrm>
-      </p:grpSpPr>
-      <p:sp>
-        <p:nvSpPr>
-          <p:cNvPr id="4" name="Заголовок 3">
-            <a:extLst>
-              <a:ext uri="{FF2B5EF4-FFF2-40B4-BE49-F238E27FC236}">
-                <a16:creationId xmlns:a16="http://schemas.microsoft.com/office/drawing/2014/main" id="{27A0CA7A-4EE2-4BA6-9754-19D208B7BE02}"/>
-              </a:ext>
-            </a:extLst>
-          </p:cNvPr>
-          <p:cNvSpPr>
-            <a:spLocks noGrp="1"/>
-          </p:cNvSpPr>
-          <p:nvPr>
-            <p:ph type="title"/>
-          </p:nvPr>
-        </p:nvSpPr>
-        <p:spPr>
-          <a:xfrm>
-            <a:off x="471000" y="159700"/>
-            <a:ext cx="10515600" cy="1325563"/>
-          </a:xfrm>
-        </p:spPr>
-        <p:txBody>
-          <a:bodyPr/>
-          <a:lstStyle/>
-          <a:p>
-            <a:r>
-              <a:rPr lang="ru-RU" b="1" dirty="0"/>
-              <a:t>Структура приложения</a:t>
-            </a:r>
-          </a:p>
-        </p:txBody>
-      </p:sp>
-      <p:sp>
-        <p:nvSpPr>
-          <p:cNvPr id="5" name="Объект 4">
-            <a:extLst>
-              <a:ext uri="{FF2B5EF4-FFF2-40B4-BE49-F238E27FC236}">
-                <a16:creationId xmlns:a16="http://schemas.microsoft.com/office/drawing/2014/main" id="{522C1EB1-A9B2-4970-885D-4780B2B8EC9B}"/>
-              </a:ext>
-            </a:extLst>
-          </p:cNvPr>
-          <p:cNvSpPr>
-            <a:spLocks noGrp="1"/>
-          </p:cNvSpPr>
-          <p:nvPr>
-            <p:ph idx="1"/>
-          </p:nvPr>
-        </p:nvSpPr>
-        <p:spPr>
-          <a:xfrm>
-            <a:off x="291000" y="1690688"/>
-            <a:ext cx="4758460" cy="4078312"/>
-          </a:xfrm>
-        </p:spPr>
-        <p:txBody>
-          <a:bodyPr>
-            <a:normAutofit fontScale="92500" lnSpcReduction="20000"/>
-          </a:bodyPr>
-          <a:lstStyle/>
-          <a:p>
-            <a:r>
-              <a:rPr lang="ru-RU" sz="2400" dirty="0"/>
-              <a:t>Схема разграничения доступа в системе</a:t>
-            </a:r>
-          </a:p>
-          <a:p>
-            <a:pPr>
-              <a:buFont typeface="Calibri" panose="020F0502020204030204" pitchFamily="34" charset="0"/>
-              <a:buChar char="ꟷ"/>
-            </a:pPr>
-            <a:r>
-              <a:rPr lang="ru-RU" sz="2400" dirty="0"/>
-              <a:t>Красным цветом отмечены функции, доступные администратору; </a:t>
-            </a:r>
-          </a:p>
-          <a:p>
-            <a:pPr>
-              <a:buFont typeface="Calibri" panose="020F0502020204030204" pitchFamily="34" charset="0"/>
-              <a:buChar char="ꟷ"/>
-            </a:pPr>
-            <a:r>
-              <a:rPr lang="ru-RU" sz="2400" dirty="0"/>
-              <a:t>Зелёным цветом – старшему администратору; </a:t>
-            </a:r>
-          </a:p>
-          <a:p>
-            <a:pPr>
-              <a:buFont typeface="Calibri" panose="020F0502020204030204" pitchFamily="34" charset="0"/>
-              <a:buChar char="ꟷ"/>
-            </a:pPr>
-            <a:r>
-              <a:rPr lang="ru-RU" sz="2400" dirty="0"/>
-              <a:t>Чёрным цветом – директору; </a:t>
-            </a:r>
-          </a:p>
-          <a:p>
-            <a:pPr>
-              <a:buFont typeface="Calibri" panose="020F0502020204030204" pitchFamily="34" charset="0"/>
-              <a:buChar char="ꟷ"/>
-            </a:pPr>
-            <a:r>
-              <a:rPr lang="ru-RU" sz="2400" dirty="0"/>
-              <a:t>Синим отмечены функции, доступные для всех трёх групп;</a:t>
-            </a:r>
-          </a:p>
-          <a:p>
-            <a:pPr>
-              <a:buFont typeface="Calibri" panose="020F0502020204030204" pitchFamily="34" charset="0"/>
-              <a:buChar char="ꟷ"/>
-            </a:pPr>
-            <a:r>
-              <a:rPr lang="ru-RU" sz="2400" dirty="0"/>
-              <a:t>Жёлтым отмечены функции, доступные для администратора и старшего администратора.</a:t>
-            </a:r>
-          </a:p>
-          <a:p>
-            <a:endParaRPr lang="ru-RU" sz="2400" dirty="0"/>
-          </a:p>
-        </p:txBody>
-      </p:sp>
-      <p:sp>
-        <p:nvSpPr>
-          <p:cNvPr id="2" name="Rectangle 2">
-            <a:extLst>
-              <a:ext uri="{FF2B5EF4-FFF2-40B4-BE49-F238E27FC236}">
-                <a16:creationId xmlns:a16="http://schemas.microsoft.com/office/drawing/2014/main" id="{426BCD5B-4EAB-3DA2-D673-D7EF50C2912D}"/>
-              </a:ext>
-            </a:extLst>
-          </p:cNvPr>
-          <p:cNvSpPr>
-            <a:spLocks noChangeArrowheads="1"/>
-          </p:cNvSpPr>
-          <p:nvPr/>
-        </p:nvSpPr>
-        <p:spPr bwMode="auto">
-          <a:xfrm>
-            <a:off x="4880999" y="1223999"/>
-            <a:ext cx="13476923" cy="45719"/>
-          </a:xfrm>
-          <a:prstGeom prst="rect">
-            <a:avLst/>
-          </a:prstGeom>
-          <a:noFill/>
-          <a:ln>
-            <a:noFill/>
-          </a:ln>
-          <a:effectLst/>
-          <a:extLst>
-            <a:ext uri="{909E8E84-426E-40DD-AFC4-6F175D3DCCD1}">
-              <a14:hiddenFill xmlns:a14="http://schemas.microsoft.com/office/drawing/2010/main">
-                <a:solidFill>
-                  <a:schemeClr val="accent1"/>
-                </a:solidFill>
-              </a14:hiddenFill>
-            </a:ext>
-            <a:ext uri="{91240B29-F687-4F45-9708-019B960494DF}">
-              <a14:hiddenLine xmlns:a14="http://schemas.microsoft.com/office/drawing/2010/main" w="9525">
-                <a:solidFill>
-                  <a:schemeClr val="tx1"/>
-                </a:solidFill>
-                <a:miter lim="800000"/>
-                <a:headEnd/>
-                <a:tailEnd/>
-              </a14:hiddenLine>
-            </a:ext>
-            <a:ext uri="{AF507438-7753-43E0-B8FC-AC1667EBCBE1}">
-              <a14:hiddenEffects xmlns:a14="http://schemas.microsoft.com/office/drawing/2010/main">
-                <a:effectLst>
-                  <a:outerShdw dist="35921" dir="2700000" algn="ctr" rotWithShape="0">
-                    <a:schemeClr val="bg2"/>
-                  </a:outerShdw>
-                </a:effectLst>
-              </a14:hiddenEffects>
-            </a:ext>
-          </a:extLst>
-        </p:spPr>
-        <p:txBody>
-          <a:bodyPr vert="horz" wrap="square" lIns="91440" tIns="45720" rIns="91440" bIns="45720" numCol="1" anchor="ctr" anchorCtr="0" compatLnSpc="1">
-            <a:prstTxWarp prst="textNoShape">
-              <a:avLst/>
-            </a:prstTxWarp>
-            <a:spAutoFit/>
-          </a:bodyPr>
-          <a:lstStyle/>
-          <a:p>
-            <a:endParaRPr lang="ru-RU"/>
-          </a:p>
-        </p:txBody>
-      </p:sp>
-      <p:graphicFrame>
-        <p:nvGraphicFramePr>
-          <p:cNvPr id="3" name="Объект 2">
-            <a:extLst>
-              <a:ext uri="{FF2B5EF4-FFF2-40B4-BE49-F238E27FC236}">
-                <a16:creationId xmlns:a16="http://schemas.microsoft.com/office/drawing/2014/main" id="{E6594C9F-8DA0-F628-469D-F1B73E7512E7}"/>
-              </a:ext>
-            </a:extLst>
-          </p:cNvPr>
-          <p:cNvGraphicFramePr>
-            <a:graphicFrameLocks noChangeAspect="1"/>
-          </p:cNvGraphicFramePr>
-          <p:nvPr>
-            <p:extLst>
-              <p:ext uri="{D42A27DB-BD31-4B8C-83A1-F6EECF244321}">
-                <p14:modId xmlns:p14="http://schemas.microsoft.com/office/powerpoint/2010/main" val="2327373773"/>
-              </p:ext>
-            </p:extLst>
-          </p:nvPr>
-        </p:nvGraphicFramePr>
-        <p:xfrm>
-          <a:off x="5049460" y="1089000"/>
-          <a:ext cx="6570000" cy="5475000"/>
-        </p:xfrm>
-        <a:graphic>
-          <a:graphicData uri="http://schemas.openxmlformats.org/presentationml/2006/ole">
-            <mc:AlternateContent xmlns:mc="http://schemas.openxmlformats.org/markup-compatibility/2006">
-              <mc:Choice xmlns:v="urn:schemas-microsoft-com:vml" Requires="v">
-                <p:oleObj name="Visio" r:id="rId2" imgW="9001027" imgH="7515071" progId="Visio.Drawing.15">
-                  <p:embed/>
-                </p:oleObj>
-              </mc:Choice>
-              <mc:Fallback>
-                <p:oleObj name="Visio" r:id="rId2" imgW="9001027" imgH="7515071" progId="Visio.Drawing.15">
-                  <p:embed/>
-                  <p:pic>
-                    <p:nvPicPr>
-                      <p:cNvPr id="0" name="Object 1"/>
-                      <p:cNvPicPr>
-                        <a:picLocks noChangeAspect="1" noChangeArrowheads="1"/>
-                      </p:cNvPicPr>
-                      <p:nvPr/>
-                    </p:nvPicPr>
-                    <p:blipFill>
-                      <a:blip r:embed="rId3">
-                        <a:extLst>
-                          <a:ext uri="{28A0092B-C50C-407E-A947-70E740481C1C}">
-                            <a14:useLocalDpi xmlns:a14="http://schemas.microsoft.com/office/drawing/2010/main" val="0"/>
-                          </a:ext>
-                        </a:extLst>
-                      </a:blip>
-                      <a:srcRect/>
-                      <a:stretch>
-                        <a:fillRect/>
-                      </a:stretch>
-                    </p:blipFill>
-                    <p:spPr bwMode="auto">
-                      <a:xfrm>
-                        <a:off x="5049460" y="1089000"/>
-                        <a:ext cx="6570000" cy="5475000"/>
-                      </a:xfrm>
-                      <a:prstGeom prst="rect">
-                        <a:avLst/>
-                      </a:prstGeom>
-                      <a:noFill/>
-                    </p:spPr>
-                  </p:pic>
-                </p:oleObj>
-              </mc:Fallback>
-            </mc:AlternateContent>
-          </a:graphicData>
-        </a:graphic>
-      </p:graphicFrame>
-    </p:spTree>
-    <p:extLst>
-      <p:ext uri="{BB962C8B-B14F-4D97-AF65-F5344CB8AC3E}">
-        <p14:creationId xmlns:p14="http://schemas.microsoft.com/office/powerpoint/2010/main" val="197173406"/>
       </p:ext>
     </p:extLst>
   </p:cSld>
